--- a/Báo cáo QTDLiệu.pptx
+++ b/Báo cáo QTDLiệu.pptx
@@ -5,7 +5,7 @@
     <p:sldMasterId id="2147483681" r:id="rId1"/>
   </p:sldMasterIdLst>
   <p:notesMasterIdLst>
-    <p:notesMasterId r:id="rId16"/>
+    <p:notesMasterId r:id="rId33"/>
   </p:notesMasterIdLst>
   <p:sldIdLst>
     <p:sldId id="311" r:id="rId2"/>
@@ -21,63 +21,80 @@
     <p:sldId id="321" r:id="rId12"/>
     <p:sldId id="322" r:id="rId13"/>
     <p:sldId id="323" r:id="rId14"/>
-    <p:sldId id="290" r:id="rId15"/>
+    <p:sldId id="325" r:id="rId15"/>
+    <p:sldId id="326" r:id="rId16"/>
+    <p:sldId id="327" r:id="rId17"/>
+    <p:sldId id="330" r:id="rId18"/>
+    <p:sldId id="328" r:id="rId19"/>
+    <p:sldId id="329" r:id="rId20"/>
+    <p:sldId id="331" r:id="rId21"/>
+    <p:sldId id="332" r:id="rId22"/>
+    <p:sldId id="333" r:id="rId23"/>
+    <p:sldId id="334" r:id="rId24"/>
+    <p:sldId id="335" r:id="rId25"/>
+    <p:sldId id="336" r:id="rId26"/>
+    <p:sldId id="337" r:id="rId27"/>
+    <p:sldId id="338" r:id="rId28"/>
+    <p:sldId id="339" r:id="rId29"/>
+    <p:sldId id="340" r:id="rId30"/>
+    <p:sldId id="341" r:id="rId31"/>
+    <p:sldId id="290" r:id="rId32"/>
   </p:sldIdLst>
   <p:sldSz cx="9144000" cy="5143500" type="screen16x9"/>
   <p:notesSz cx="6858000" cy="9144000"/>
   <p:embeddedFontLst>
     <p:embeddedFont>
-      <p:font typeface="Vidaloka" panose="020B0604020202020204" charset="0"/>
-      <p:regular r:id="rId17"/>
-    </p:embeddedFont>
-    <p:embeddedFont>
       <p:font typeface="Calibri" panose="020F0502020204030204" pitchFamily="34" charset="0"/>
-      <p:regular r:id="rId18"/>
-      <p:bold r:id="rId19"/>
-      <p:italic r:id="rId20"/>
-      <p:boldItalic r:id="rId21"/>
-    </p:embeddedFont>
-    <p:embeddedFont>
-      <p:font typeface="Crimson Text" panose="020B0604020202020204" charset="0"/>
-      <p:regular r:id="rId22"/>
-      <p:bold r:id="rId23"/>
-      <p:italic r:id="rId24"/>
-      <p:boldItalic r:id="rId25"/>
-    </p:embeddedFont>
-    <p:embeddedFont>
-      <p:font typeface="Cambria" panose="02040503050406030204" pitchFamily="18" charset="0"/>
-      <p:regular r:id="rId26"/>
-      <p:bold r:id="rId27"/>
-      <p:italic r:id="rId28"/>
-      <p:boldItalic r:id="rId29"/>
-    </p:embeddedFont>
-    <p:embeddedFont>
-      <p:font typeface="Lato" panose="020B0604020202020204" charset="0"/>
-      <p:regular r:id="rId30"/>
-      <p:bold r:id="rId31"/>
-      <p:italic r:id="rId32"/>
-      <p:boldItalic r:id="rId33"/>
-    </p:embeddedFont>
-    <p:embeddedFont>
-      <p:font typeface="Open Sans" panose="020B0604020202020204" charset="0"/>
       <p:regular r:id="rId34"/>
       <p:bold r:id="rId35"/>
       <p:italic r:id="rId36"/>
       <p:boldItalic r:id="rId37"/>
     </p:embeddedFont>
     <p:embeddedFont>
-      <p:font typeface="Merriweather Light" panose="020B0604020202020204" charset="0"/>
+      <p:font typeface="Crimson Text" panose="020B0604020202020204" charset="0"/>
       <p:regular r:id="rId38"/>
       <p:bold r:id="rId39"/>
       <p:italic r:id="rId40"/>
       <p:boldItalic r:id="rId41"/>
     </p:embeddedFont>
     <p:embeddedFont>
-      <p:font typeface="Montserrat" panose="020B0604020202020204" charset="0"/>
+      <p:font typeface="Lato" panose="020B0604020202020204" charset="0"/>
       <p:regular r:id="rId42"/>
       <p:bold r:id="rId43"/>
       <p:italic r:id="rId44"/>
       <p:boldItalic r:id="rId45"/>
+    </p:embeddedFont>
+    <p:embeddedFont>
+      <p:font typeface="Montserrat" panose="020B0604020202020204" charset="0"/>
+      <p:regular r:id="rId46"/>
+      <p:bold r:id="rId47"/>
+      <p:italic r:id="rId48"/>
+      <p:boldItalic r:id="rId49"/>
+    </p:embeddedFont>
+    <p:embeddedFont>
+      <p:font typeface="Open Sans" panose="020B0604020202020204" charset="0"/>
+      <p:regular r:id="rId50"/>
+      <p:bold r:id="rId51"/>
+      <p:italic r:id="rId52"/>
+      <p:boldItalic r:id="rId53"/>
+    </p:embeddedFont>
+    <p:embeddedFont>
+      <p:font typeface="Cambria" panose="02040503050406030204" pitchFamily="18" charset="0"/>
+      <p:regular r:id="rId54"/>
+      <p:bold r:id="rId55"/>
+      <p:italic r:id="rId56"/>
+      <p:boldItalic r:id="rId57"/>
+    </p:embeddedFont>
+    <p:embeddedFont>
+      <p:font typeface="Vidaloka" panose="020B0604020202020204" charset="0"/>
+      <p:regular r:id="rId58"/>
+    </p:embeddedFont>
+    <p:embeddedFont>
+      <p:font typeface="Merriweather Light" panose="020B0604020202020204" charset="0"/>
+      <p:regular r:id="rId59"/>
+      <p:bold r:id="rId60"/>
+      <p:italic r:id="rId61"/>
+      <p:boldItalic r:id="rId62"/>
     </p:embeddedFont>
   </p:embeddedFontLst>
   <p:defaultTextStyle>
@@ -7683,6 +7700,73 @@
           <a:chExt cx="0" cy="0"/>
         </a:xfrm>
       </p:grpSpPr>
+      <p:pic>
+        <p:nvPicPr>
+          <p:cNvPr id="3" name="Picture 2">
+            <a:extLst>
+              <a:ext uri="{FF2B5EF4-FFF2-40B4-BE49-F238E27FC236}">
+                <a16:creationId xmlns:a16="http://schemas.microsoft.com/office/drawing/2014/main" id="{EA931809-F7AE-411E-9B08-20A46825CD5D}"/>
+              </a:ext>
+            </a:extLst>
+          </p:cNvPr>
+          <p:cNvPicPr>
+            <a:picLocks noChangeAspect="1"/>
+          </p:cNvPicPr>
+          <p:nvPr/>
+        </p:nvPicPr>
+        <p:blipFill rotWithShape="1">
+          <a:blip r:embed="rId2"/>
+          <a:srcRect l="165"/>
+          <a:stretch/>
+        </p:blipFill>
+        <p:spPr>
+          <a:xfrm>
+            <a:off x="1943404" y="1702994"/>
+            <a:ext cx="5257192" cy="1737511"/>
+          </a:xfrm>
+          <a:prstGeom prst="rect">
+            <a:avLst/>
+          </a:prstGeom>
+        </p:spPr>
+      </p:pic>
+      <p:sp>
+        <p:nvSpPr>
+          <p:cNvPr id="4" name="TextBox 3">
+            <a:extLst>
+              <a:ext uri="{FF2B5EF4-FFF2-40B4-BE49-F238E27FC236}">
+                <a16:creationId xmlns:a16="http://schemas.microsoft.com/office/drawing/2014/main" id="{1D1E13FE-3A01-498A-9ACB-14D5079852D3}"/>
+              </a:ext>
+            </a:extLst>
+          </p:cNvPr>
+          <p:cNvSpPr txBox="1"/>
+          <p:nvPr/>
+        </p:nvSpPr>
+        <p:spPr>
+          <a:xfrm>
+            <a:off x="0" y="3440505"/>
+            <a:ext cx="9144000" cy="307777"/>
+          </a:xfrm>
+          <a:prstGeom prst="rect">
+            <a:avLst/>
+          </a:prstGeom>
+          <a:noFill/>
+        </p:spPr>
+        <p:txBody>
+          <a:bodyPr wrap="square" rtlCol="0">
+            <a:spAutoFit/>
+          </a:bodyPr>
+          <a:lstStyle/>
+          <a:p>
+            <a:pPr algn="ctr"/>
+            <a:r>
+              <a:rPr lang="en-US" b="1">
+                <a:latin typeface="+mn-lt"/>
+              </a:rPr>
+              <a:t>Danh mục quản lý</a:t>
+            </a:r>
+          </a:p>
+        </p:txBody>
+      </p:sp>
     </p:spTree>
     <p:extLst>
       <p:ext uri="{BB962C8B-B14F-4D97-AF65-F5344CB8AC3E}">
@@ -7713,6 +7797,73 @@
           <a:chExt cx="0" cy="0"/>
         </a:xfrm>
       </p:grpSpPr>
+      <p:pic>
+        <p:nvPicPr>
+          <p:cNvPr id="2" name="Picture 1">
+            <a:extLst>
+              <a:ext uri="{FF2B5EF4-FFF2-40B4-BE49-F238E27FC236}">
+                <a16:creationId xmlns:a16="http://schemas.microsoft.com/office/drawing/2014/main" id="{349483E8-A220-4788-ACCF-9B9DFAAA0EB0}"/>
+              </a:ext>
+            </a:extLst>
+          </p:cNvPr>
+          <p:cNvPicPr>
+            <a:picLocks noChangeAspect="1"/>
+          </p:cNvPicPr>
+          <p:nvPr/>
+        </p:nvPicPr>
+        <p:blipFill rotWithShape="1">
+          <a:blip r:embed="rId2"/>
+          <a:srcRect l="452"/>
+          <a:stretch/>
+        </p:blipFill>
+        <p:spPr>
+          <a:xfrm>
+            <a:off x="1935783" y="1706805"/>
+            <a:ext cx="5272433" cy="1729890"/>
+          </a:xfrm>
+          <a:prstGeom prst="rect">
+            <a:avLst/>
+          </a:prstGeom>
+        </p:spPr>
+      </p:pic>
+      <p:sp>
+        <p:nvSpPr>
+          <p:cNvPr id="3" name="TextBox 2">
+            <a:extLst>
+              <a:ext uri="{FF2B5EF4-FFF2-40B4-BE49-F238E27FC236}">
+                <a16:creationId xmlns:a16="http://schemas.microsoft.com/office/drawing/2014/main" id="{4BD05912-C373-4268-95FC-B87BA768F379}"/>
+              </a:ext>
+            </a:extLst>
+          </p:cNvPr>
+          <p:cNvSpPr txBox="1"/>
+          <p:nvPr/>
+        </p:nvSpPr>
+        <p:spPr>
+          <a:xfrm>
+            <a:off x="0" y="3436695"/>
+            <a:ext cx="9144000" cy="307777"/>
+          </a:xfrm>
+          <a:prstGeom prst="rect">
+            <a:avLst/>
+          </a:prstGeom>
+          <a:noFill/>
+        </p:spPr>
+        <p:txBody>
+          <a:bodyPr wrap="square" rtlCol="0">
+            <a:spAutoFit/>
+          </a:bodyPr>
+          <a:lstStyle/>
+          <a:p>
+            <a:pPr algn="ctr"/>
+            <a:r>
+              <a:rPr lang="en-US" b="1">
+                <a:latin typeface="+mn-lt"/>
+              </a:rPr>
+              <a:t>Danh mục quản lý Sản phẩm</a:t>
+            </a:r>
+          </a:p>
+        </p:txBody>
+      </p:sp>
     </p:spTree>
     <p:extLst>
       <p:ext uri="{BB962C8B-B14F-4D97-AF65-F5344CB8AC3E}">
@@ -7743,6 +7894,74 @@
           <a:chExt cx="0" cy="0"/>
         </a:xfrm>
       </p:grpSpPr>
+      <p:pic>
+        <p:nvPicPr>
+          <p:cNvPr id="2" name="Picture 1">
+            <a:extLst>
+              <a:ext uri="{FF2B5EF4-FFF2-40B4-BE49-F238E27FC236}">
+                <a16:creationId xmlns:a16="http://schemas.microsoft.com/office/drawing/2014/main" id="{4744AD4A-BC3A-43F3-B04C-D9435620407A}"/>
+              </a:ext>
+            </a:extLst>
+          </p:cNvPr>
+          <p:cNvPicPr>
+            <a:picLocks noChangeAspect="1"/>
+          </p:cNvPicPr>
+          <p:nvPr/>
+        </p:nvPicPr>
+        <p:blipFill>
+          <a:blip r:embed="rId2"/>
+          <a:stretch>
+            <a:fillRect/>
+          </a:stretch>
+        </p:blipFill>
+        <p:spPr>
+          <a:xfrm>
+            <a:off x="411119" y="933308"/>
+            <a:ext cx="8321761" cy="3276884"/>
+          </a:xfrm>
+          <a:prstGeom prst="rect">
+            <a:avLst/>
+          </a:prstGeom>
+        </p:spPr>
+      </p:pic>
+      <p:sp>
+        <p:nvSpPr>
+          <p:cNvPr id="3" name="TextBox 2">
+            <a:extLst>
+              <a:ext uri="{FF2B5EF4-FFF2-40B4-BE49-F238E27FC236}">
+                <a16:creationId xmlns:a16="http://schemas.microsoft.com/office/drawing/2014/main" id="{89EE2450-15D4-40FE-AD12-444FA1608455}"/>
+              </a:ext>
+            </a:extLst>
+          </p:cNvPr>
+          <p:cNvSpPr txBox="1"/>
+          <p:nvPr/>
+        </p:nvSpPr>
+        <p:spPr>
+          <a:xfrm>
+            <a:off x="0" y="4210192"/>
+            <a:ext cx="9144000" cy="307777"/>
+          </a:xfrm>
+          <a:prstGeom prst="rect">
+            <a:avLst/>
+          </a:prstGeom>
+          <a:noFill/>
+        </p:spPr>
+        <p:txBody>
+          <a:bodyPr wrap="square" rtlCol="0">
+            <a:spAutoFit/>
+          </a:bodyPr>
+          <a:lstStyle/>
+          <a:p>
+            <a:pPr algn="ctr"/>
+            <a:r>
+              <a:rPr lang="en-US" b="1">
+                <a:latin typeface="+mn-lt"/>
+              </a:rPr>
+              <a:t>Thêm sản phẩm</a:t>
+            </a:r>
+          </a:p>
+        </p:txBody>
+      </p:sp>
     </p:spTree>
     <p:extLst>
       <p:ext uri="{BB962C8B-B14F-4D97-AF65-F5344CB8AC3E}">
@@ -7757,6 +7976,2035 @@
 </file>
 
 <file path=ppt/slides/slide14.xml><?xml version="1.0" encoding="utf-8"?>
+<p:sld xmlns:a="http://schemas.openxmlformats.org/drawingml/2006/main" xmlns:r="http://schemas.openxmlformats.org/officeDocument/2006/relationships" xmlns:p="http://schemas.openxmlformats.org/presentationml/2006/main">
+  <p:cSld>
+    <p:spTree>
+      <p:nvGrpSpPr>
+        <p:cNvPr id="1" name=""/>
+        <p:cNvGrpSpPr/>
+        <p:nvPr/>
+      </p:nvGrpSpPr>
+      <p:grpSpPr>
+        <a:xfrm>
+          <a:off x="0" y="0"/>
+          <a:ext cx="0" cy="0"/>
+          <a:chOff x="0" y="0"/>
+          <a:chExt cx="0" cy="0"/>
+        </a:xfrm>
+      </p:grpSpPr>
+      <p:pic>
+        <p:nvPicPr>
+          <p:cNvPr id="4" name="Picture 3">
+            <a:extLst>
+              <a:ext uri="{FF2B5EF4-FFF2-40B4-BE49-F238E27FC236}">
+                <a16:creationId xmlns:a16="http://schemas.microsoft.com/office/drawing/2014/main" id="{3BD7D095-32DA-4325-8D85-A86D6444BD32}"/>
+              </a:ext>
+            </a:extLst>
+          </p:cNvPr>
+          <p:cNvPicPr>
+            <a:picLocks noChangeAspect="1"/>
+          </p:cNvPicPr>
+          <p:nvPr/>
+        </p:nvPicPr>
+        <p:blipFill>
+          <a:blip r:embed="rId2"/>
+          <a:stretch>
+            <a:fillRect/>
+          </a:stretch>
+        </p:blipFill>
+        <p:spPr>
+          <a:xfrm>
+            <a:off x="1339845" y="572171"/>
+            <a:ext cx="6464309" cy="3999157"/>
+          </a:xfrm>
+          <a:prstGeom prst="rect">
+            <a:avLst/>
+          </a:prstGeom>
+        </p:spPr>
+      </p:pic>
+      <p:sp>
+        <p:nvSpPr>
+          <p:cNvPr id="5" name="TextBox 4">
+            <a:extLst>
+              <a:ext uri="{FF2B5EF4-FFF2-40B4-BE49-F238E27FC236}">
+                <a16:creationId xmlns:a16="http://schemas.microsoft.com/office/drawing/2014/main" id="{851B7F1E-EA65-44C5-A107-311953A7B829}"/>
+              </a:ext>
+            </a:extLst>
+          </p:cNvPr>
+          <p:cNvSpPr txBox="1"/>
+          <p:nvPr/>
+        </p:nvSpPr>
+        <p:spPr>
+          <a:xfrm>
+            <a:off x="0" y="4571328"/>
+            <a:ext cx="9144000" cy="307777"/>
+          </a:xfrm>
+          <a:prstGeom prst="rect">
+            <a:avLst/>
+          </a:prstGeom>
+          <a:noFill/>
+        </p:spPr>
+        <p:txBody>
+          <a:bodyPr wrap="square" rtlCol="0">
+            <a:spAutoFit/>
+          </a:bodyPr>
+          <a:lstStyle/>
+          <a:p>
+            <a:pPr algn="ctr"/>
+            <a:r>
+              <a:rPr lang="en-US" b="1">
+                <a:latin typeface="+mn-lt"/>
+              </a:rPr>
+              <a:t>Chỉnh sửa sản phẩm</a:t>
+            </a:r>
+          </a:p>
+        </p:txBody>
+      </p:sp>
+    </p:spTree>
+    <p:extLst>
+      <p:ext uri="{BB962C8B-B14F-4D97-AF65-F5344CB8AC3E}">
+        <p14:creationId xmlns:p14="http://schemas.microsoft.com/office/powerpoint/2010/main" val="3318100427"/>
+      </p:ext>
+    </p:extLst>
+  </p:cSld>
+  <p:clrMapOvr>
+    <a:masterClrMapping/>
+  </p:clrMapOvr>
+</p:sld>
+</file>
+
+<file path=ppt/slides/slide15.xml><?xml version="1.0" encoding="utf-8"?>
+<p:sld xmlns:a="http://schemas.openxmlformats.org/drawingml/2006/main" xmlns:r="http://schemas.openxmlformats.org/officeDocument/2006/relationships" xmlns:p="http://schemas.openxmlformats.org/presentationml/2006/main">
+  <p:cSld>
+    <p:spTree>
+      <p:nvGrpSpPr>
+        <p:cNvPr id="1" name=""/>
+        <p:cNvGrpSpPr/>
+        <p:nvPr/>
+      </p:nvGrpSpPr>
+      <p:grpSpPr>
+        <a:xfrm>
+          <a:off x="0" y="0"/>
+          <a:ext cx="0" cy="0"/>
+          <a:chOff x="0" y="0"/>
+          <a:chExt cx="0" cy="0"/>
+        </a:xfrm>
+      </p:grpSpPr>
+      <p:pic>
+        <p:nvPicPr>
+          <p:cNvPr id="3" name="Picture 2">
+            <a:extLst>
+              <a:ext uri="{FF2B5EF4-FFF2-40B4-BE49-F238E27FC236}">
+                <a16:creationId xmlns:a16="http://schemas.microsoft.com/office/drawing/2014/main" id="{806B9776-CA76-45D8-89F4-53D74699579A}"/>
+              </a:ext>
+            </a:extLst>
+          </p:cNvPr>
+          <p:cNvPicPr>
+            <a:picLocks noChangeAspect="1"/>
+          </p:cNvPicPr>
+          <p:nvPr/>
+        </p:nvPicPr>
+        <p:blipFill>
+          <a:blip r:embed="rId2"/>
+          <a:stretch>
+            <a:fillRect/>
+          </a:stretch>
+        </p:blipFill>
+        <p:spPr>
+          <a:xfrm>
+            <a:off x="698435" y="731806"/>
+            <a:ext cx="7747130" cy="3679887"/>
+          </a:xfrm>
+          <a:prstGeom prst="rect">
+            <a:avLst/>
+          </a:prstGeom>
+        </p:spPr>
+      </p:pic>
+      <p:sp>
+        <p:nvSpPr>
+          <p:cNvPr id="4" name="TextBox 3">
+            <a:extLst>
+              <a:ext uri="{FF2B5EF4-FFF2-40B4-BE49-F238E27FC236}">
+                <a16:creationId xmlns:a16="http://schemas.microsoft.com/office/drawing/2014/main" id="{10145FBB-BC9B-4D66-86A7-9E5826C202DD}"/>
+              </a:ext>
+            </a:extLst>
+          </p:cNvPr>
+          <p:cNvSpPr txBox="1"/>
+          <p:nvPr/>
+        </p:nvSpPr>
+        <p:spPr>
+          <a:xfrm>
+            <a:off x="0" y="4411693"/>
+            <a:ext cx="9144000" cy="307777"/>
+          </a:xfrm>
+          <a:prstGeom prst="rect">
+            <a:avLst/>
+          </a:prstGeom>
+          <a:noFill/>
+        </p:spPr>
+        <p:txBody>
+          <a:bodyPr wrap="square" rtlCol="0">
+            <a:spAutoFit/>
+          </a:bodyPr>
+          <a:lstStyle/>
+          <a:p>
+            <a:pPr algn="ctr"/>
+            <a:r>
+              <a:rPr lang="en-US" b="1">
+                <a:latin typeface="+mn-lt"/>
+              </a:rPr>
+              <a:t>Xóa sản phẩm</a:t>
+            </a:r>
+          </a:p>
+        </p:txBody>
+      </p:sp>
+    </p:spTree>
+    <p:extLst>
+      <p:ext uri="{BB962C8B-B14F-4D97-AF65-F5344CB8AC3E}">
+        <p14:creationId xmlns:p14="http://schemas.microsoft.com/office/powerpoint/2010/main" val="3223838597"/>
+      </p:ext>
+    </p:extLst>
+  </p:cSld>
+  <p:clrMapOvr>
+    <a:masterClrMapping/>
+  </p:clrMapOvr>
+</p:sld>
+</file>
+
+<file path=ppt/slides/slide16.xml><?xml version="1.0" encoding="utf-8"?>
+<p:sld xmlns:a="http://schemas.openxmlformats.org/drawingml/2006/main" xmlns:r="http://schemas.openxmlformats.org/officeDocument/2006/relationships" xmlns:p="http://schemas.openxmlformats.org/presentationml/2006/main">
+  <p:cSld>
+    <p:spTree>
+      <p:nvGrpSpPr>
+        <p:cNvPr id="1" name=""/>
+        <p:cNvGrpSpPr/>
+        <p:nvPr/>
+      </p:nvGrpSpPr>
+      <p:grpSpPr>
+        <a:xfrm>
+          <a:off x="0" y="0"/>
+          <a:ext cx="0" cy="0"/>
+          <a:chOff x="0" y="0"/>
+          <a:chExt cx="0" cy="0"/>
+        </a:xfrm>
+      </p:grpSpPr>
+      <p:pic>
+        <p:nvPicPr>
+          <p:cNvPr id="3" name="Picture 2">
+            <a:extLst>
+              <a:ext uri="{FF2B5EF4-FFF2-40B4-BE49-F238E27FC236}">
+                <a16:creationId xmlns:a16="http://schemas.microsoft.com/office/drawing/2014/main" id="{71CB4745-6CB1-4312-AB5C-374585495715}"/>
+              </a:ext>
+            </a:extLst>
+          </p:cNvPr>
+          <p:cNvPicPr>
+            <a:picLocks noChangeAspect="1"/>
+          </p:cNvPicPr>
+          <p:nvPr/>
+        </p:nvPicPr>
+        <p:blipFill>
+          <a:blip r:embed="rId2"/>
+          <a:stretch>
+            <a:fillRect/>
+          </a:stretch>
+        </p:blipFill>
+        <p:spPr>
+          <a:xfrm>
+            <a:off x="445412" y="1821115"/>
+            <a:ext cx="8253175" cy="1501270"/>
+          </a:xfrm>
+          <a:prstGeom prst="rect">
+            <a:avLst/>
+          </a:prstGeom>
+        </p:spPr>
+      </p:pic>
+      <p:sp>
+        <p:nvSpPr>
+          <p:cNvPr id="4" name="TextBox 3">
+            <a:extLst>
+              <a:ext uri="{FF2B5EF4-FFF2-40B4-BE49-F238E27FC236}">
+                <a16:creationId xmlns:a16="http://schemas.microsoft.com/office/drawing/2014/main" id="{9F53941A-B459-4CED-B0CB-BA12BD487A54}"/>
+              </a:ext>
+            </a:extLst>
+          </p:cNvPr>
+          <p:cNvSpPr txBox="1"/>
+          <p:nvPr/>
+        </p:nvSpPr>
+        <p:spPr>
+          <a:xfrm>
+            <a:off x="0" y="3322385"/>
+            <a:ext cx="9144000" cy="307777"/>
+          </a:xfrm>
+          <a:prstGeom prst="rect">
+            <a:avLst/>
+          </a:prstGeom>
+          <a:noFill/>
+        </p:spPr>
+        <p:txBody>
+          <a:bodyPr wrap="square" rtlCol="0">
+            <a:spAutoFit/>
+          </a:bodyPr>
+          <a:lstStyle/>
+          <a:p>
+            <a:pPr algn="ctr"/>
+            <a:r>
+              <a:rPr lang="en-US" b="1">
+                <a:latin typeface="+mn-lt"/>
+              </a:rPr>
+              <a:t>Hiển thị danh sách sản phẩm</a:t>
+            </a:r>
+          </a:p>
+        </p:txBody>
+      </p:sp>
+    </p:spTree>
+    <p:extLst>
+      <p:ext uri="{BB962C8B-B14F-4D97-AF65-F5344CB8AC3E}">
+        <p14:creationId xmlns:p14="http://schemas.microsoft.com/office/powerpoint/2010/main" val="3776521821"/>
+      </p:ext>
+    </p:extLst>
+  </p:cSld>
+  <p:clrMapOvr>
+    <a:masterClrMapping/>
+  </p:clrMapOvr>
+</p:sld>
+</file>
+
+<file path=ppt/slides/slide17.xml><?xml version="1.0" encoding="utf-8"?>
+<p:sld xmlns:a="http://schemas.openxmlformats.org/drawingml/2006/main" xmlns:r="http://schemas.openxmlformats.org/officeDocument/2006/relationships" xmlns:p="http://schemas.openxmlformats.org/presentationml/2006/main">
+  <p:cSld>
+    <p:spTree>
+      <p:nvGrpSpPr>
+        <p:cNvPr id="1" name=""/>
+        <p:cNvGrpSpPr/>
+        <p:nvPr/>
+      </p:nvGrpSpPr>
+      <p:grpSpPr>
+        <a:xfrm>
+          <a:off x="0" y="0"/>
+          <a:ext cx="0" cy="0"/>
+          <a:chOff x="0" y="0"/>
+          <a:chExt cx="0" cy="0"/>
+        </a:xfrm>
+      </p:grpSpPr>
+      <p:pic>
+        <p:nvPicPr>
+          <p:cNvPr id="3" name="Picture 2">
+            <a:extLst>
+              <a:ext uri="{FF2B5EF4-FFF2-40B4-BE49-F238E27FC236}">
+                <a16:creationId xmlns:a16="http://schemas.microsoft.com/office/drawing/2014/main" id="{BDAC6D5D-D01B-4251-A1F8-60717A19E861}"/>
+              </a:ext>
+            </a:extLst>
+          </p:cNvPr>
+          <p:cNvPicPr>
+            <a:picLocks noChangeAspect="1"/>
+          </p:cNvPicPr>
+          <p:nvPr/>
+        </p:nvPicPr>
+        <p:blipFill rotWithShape="1">
+          <a:blip r:embed="rId2"/>
+          <a:srcRect l="529"/>
+          <a:stretch/>
+        </p:blipFill>
+        <p:spPr>
+          <a:xfrm>
+            <a:off x="1911296" y="1741098"/>
+            <a:ext cx="5321408" cy="1661304"/>
+          </a:xfrm>
+          <a:prstGeom prst="rect">
+            <a:avLst/>
+          </a:prstGeom>
+        </p:spPr>
+      </p:pic>
+      <p:sp>
+        <p:nvSpPr>
+          <p:cNvPr id="5" name="TextBox 4">
+            <a:extLst>
+              <a:ext uri="{FF2B5EF4-FFF2-40B4-BE49-F238E27FC236}">
+                <a16:creationId xmlns:a16="http://schemas.microsoft.com/office/drawing/2014/main" id="{86249D61-01B3-4433-9054-36C014AD3E96}"/>
+              </a:ext>
+            </a:extLst>
+          </p:cNvPr>
+          <p:cNvSpPr txBox="1"/>
+          <p:nvPr/>
+        </p:nvSpPr>
+        <p:spPr>
+          <a:xfrm>
+            <a:off x="0" y="3402402"/>
+            <a:ext cx="9144000" cy="307777"/>
+          </a:xfrm>
+          <a:prstGeom prst="rect">
+            <a:avLst/>
+          </a:prstGeom>
+          <a:noFill/>
+        </p:spPr>
+        <p:txBody>
+          <a:bodyPr wrap="square" rtlCol="0">
+            <a:spAutoFit/>
+          </a:bodyPr>
+          <a:lstStyle/>
+          <a:p>
+            <a:pPr algn="ctr"/>
+            <a:r>
+              <a:rPr lang="en-US" b="1">
+                <a:latin typeface="+mn-lt"/>
+              </a:rPr>
+              <a:t>Danh mục quản lý Loại sản phẩm</a:t>
+            </a:r>
+          </a:p>
+        </p:txBody>
+      </p:sp>
+    </p:spTree>
+    <p:extLst>
+      <p:ext uri="{BB962C8B-B14F-4D97-AF65-F5344CB8AC3E}">
+        <p14:creationId xmlns:p14="http://schemas.microsoft.com/office/powerpoint/2010/main" val="2455431521"/>
+      </p:ext>
+    </p:extLst>
+  </p:cSld>
+  <p:clrMapOvr>
+    <a:masterClrMapping/>
+  </p:clrMapOvr>
+</p:sld>
+</file>
+
+<file path=ppt/slides/slide18.xml><?xml version="1.0" encoding="utf-8"?>
+<p:sld xmlns:a="http://schemas.openxmlformats.org/drawingml/2006/main" xmlns:r="http://schemas.openxmlformats.org/officeDocument/2006/relationships" xmlns:p="http://schemas.openxmlformats.org/presentationml/2006/main">
+  <p:cSld>
+    <p:spTree>
+      <p:nvGrpSpPr>
+        <p:cNvPr id="1" name=""/>
+        <p:cNvGrpSpPr/>
+        <p:nvPr/>
+      </p:nvGrpSpPr>
+      <p:grpSpPr>
+        <a:xfrm>
+          <a:off x="0" y="0"/>
+          <a:ext cx="0" cy="0"/>
+          <a:chOff x="0" y="0"/>
+          <a:chExt cx="0" cy="0"/>
+        </a:xfrm>
+      </p:grpSpPr>
+      <p:pic>
+        <p:nvPicPr>
+          <p:cNvPr id="2" name="Picture 1">
+            <a:extLst>
+              <a:ext uri="{FF2B5EF4-FFF2-40B4-BE49-F238E27FC236}">
+                <a16:creationId xmlns:a16="http://schemas.microsoft.com/office/drawing/2014/main" id="{43E2D374-289D-4FD9-813E-1D006CCA4C93}"/>
+              </a:ext>
+            </a:extLst>
+          </p:cNvPr>
+          <p:cNvPicPr>
+            <a:picLocks noChangeAspect="1"/>
+          </p:cNvPicPr>
+          <p:nvPr/>
+        </p:nvPicPr>
+        <p:blipFill>
+          <a:blip r:embed="rId2"/>
+          <a:stretch>
+            <a:fillRect/>
+          </a:stretch>
+        </p:blipFill>
+        <p:spPr>
+          <a:xfrm>
+            <a:off x="1897148" y="1817304"/>
+            <a:ext cx="5349704" cy="1508891"/>
+          </a:xfrm>
+          <a:prstGeom prst="rect">
+            <a:avLst/>
+          </a:prstGeom>
+        </p:spPr>
+      </p:pic>
+      <p:sp>
+        <p:nvSpPr>
+          <p:cNvPr id="3" name="TextBox 2">
+            <a:extLst>
+              <a:ext uri="{FF2B5EF4-FFF2-40B4-BE49-F238E27FC236}">
+                <a16:creationId xmlns:a16="http://schemas.microsoft.com/office/drawing/2014/main" id="{BD6CFF4E-A16B-454C-AA69-DCC3CD5A4032}"/>
+              </a:ext>
+            </a:extLst>
+          </p:cNvPr>
+          <p:cNvSpPr txBox="1"/>
+          <p:nvPr/>
+        </p:nvSpPr>
+        <p:spPr>
+          <a:xfrm>
+            <a:off x="0" y="3326195"/>
+            <a:ext cx="9144000" cy="307777"/>
+          </a:xfrm>
+          <a:prstGeom prst="rect">
+            <a:avLst/>
+          </a:prstGeom>
+          <a:noFill/>
+        </p:spPr>
+        <p:txBody>
+          <a:bodyPr wrap="square" rtlCol="0">
+            <a:spAutoFit/>
+          </a:bodyPr>
+          <a:lstStyle/>
+          <a:p>
+            <a:pPr algn="ctr"/>
+            <a:r>
+              <a:rPr lang="en-US" b="1">
+                <a:latin typeface="+mn-lt"/>
+              </a:rPr>
+              <a:t>Thêm loại sản phẩm</a:t>
+            </a:r>
+          </a:p>
+        </p:txBody>
+      </p:sp>
+    </p:spTree>
+    <p:extLst>
+      <p:ext uri="{BB962C8B-B14F-4D97-AF65-F5344CB8AC3E}">
+        <p14:creationId xmlns:p14="http://schemas.microsoft.com/office/powerpoint/2010/main" val="1222197287"/>
+      </p:ext>
+    </p:extLst>
+  </p:cSld>
+  <p:clrMapOvr>
+    <a:masterClrMapping/>
+  </p:clrMapOvr>
+</p:sld>
+</file>
+
+<file path=ppt/slides/slide19.xml><?xml version="1.0" encoding="utf-8"?>
+<p:sld xmlns:a="http://schemas.openxmlformats.org/drawingml/2006/main" xmlns:r="http://schemas.openxmlformats.org/officeDocument/2006/relationships" xmlns:p="http://schemas.openxmlformats.org/presentationml/2006/main">
+  <p:cSld>
+    <p:spTree>
+      <p:nvGrpSpPr>
+        <p:cNvPr id="1" name=""/>
+        <p:cNvGrpSpPr/>
+        <p:nvPr/>
+      </p:nvGrpSpPr>
+      <p:grpSpPr>
+        <a:xfrm>
+          <a:off x="0" y="0"/>
+          <a:ext cx="0" cy="0"/>
+          <a:chOff x="0" y="0"/>
+          <a:chExt cx="0" cy="0"/>
+        </a:xfrm>
+      </p:grpSpPr>
+      <p:pic>
+        <p:nvPicPr>
+          <p:cNvPr id="2" name="Picture 1">
+            <a:extLst>
+              <a:ext uri="{FF2B5EF4-FFF2-40B4-BE49-F238E27FC236}">
+                <a16:creationId xmlns:a16="http://schemas.microsoft.com/office/drawing/2014/main" id="{4B2F32AB-F478-4028-94B8-758E47D2967A}"/>
+              </a:ext>
+            </a:extLst>
+          </p:cNvPr>
+          <p:cNvPicPr>
+            <a:picLocks noChangeAspect="1"/>
+          </p:cNvPicPr>
+          <p:nvPr/>
+        </p:nvPicPr>
+        <p:blipFill>
+          <a:blip r:embed="rId2"/>
+          <a:stretch>
+            <a:fillRect/>
+          </a:stretch>
+        </p:blipFill>
+        <p:spPr>
+          <a:xfrm>
+            <a:off x="1893338" y="1039997"/>
+            <a:ext cx="5357324" cy="3063505"/>
+          </a:xfrm>
+          <a:prstGeom prst="rect">
+            <a:avLst/>
+          </a:prstGeom>
+        </p:spPr>
+      </p:pic>
+      <p:sp>
+        <p:nvSpPr>
+          <p:cNvPr id="3" name="TextBox 2">
+            <a:extLst>
+              <a:ext uri="{FF2B5EF4-FFF2-40B4-BE49-F238E27FC236}">
+                <a16:creationId xmlns:a16="http://schemas.microsoft.com/office/drawing/2014/main" id="{2E5EA546-6E5B-4A22-8DCC-DF318B45F680}"/>
+              </a:ext>
+            </a:extLst>
+          </p:cNvPr>
+          <p:cNvSpPr txBox="1"/>
+          <p:nvPr/>
+        </p:nvSpPr>
+        <p:spPr>
+          <a:xfrm>
+            <a:off x="0" y="4103502"/>
+            <a:ext cx="9144000" cy="307777"/>
+          </a:xfrm>
+          <a:prstGeom prst="rect">
+            <a:avLst/>
+          </a:prstGeom>
+          <a:noFill/>
+        </p:spPr>
+        <p:txBody>
+          <a:bodyPr wrap="square" rtlCol="0">
+            <a:spAutoFit/>
+          </a:bodyPr>
+          <a:lstStyle/>
+          <a:p>
+            <a:pPr algn="ctr"/>
+            <a:r>
+              <a:rPr lang="en-US" b="1">
+                <a:latin typeface="+mn-lt"/>
+              </a:rPr>
+              <a:t>Sửa loại sản phẩm</a:t>
+            </a:r>
+          </a:p>
+        </p:txBody>
+      </p:sp>
+    </p:spTree>
+    <p:extLst>
+      <p:ext uri="{BB962C8B-B14F-4D97-AF65-F5344CB8AC3E}">
+        <p14:creationId xmlns:p14="http://schemas.microsoft.com/office/powerpoint/2010/main" val="4164397568"/>
+      </p:ext>
+    </p:extLst>
+  </p:cSld>
+  <p:clrMapOvr>
+    <a:masterClrMapping/>
+  </p:clrMapOvr>
+</p:sld>
+</file>
+
+<file path=ppt/slides/slide2.xml><?xml version="1.0" encoding="utf-8"?>
+<p:sld xmlns:a="http://schemas.openxmlformats.org/drawingml/2006/main" xmlns:r="http://schemas.openxmlformats.org/officeDocument/2006/relationships" xmlns:p="http://schemas.openxmlformats.org/presentationml/2006/main">
+  <p:cSld>
+    <p:spTree>
+      <p:nvGrpSpPr>
+        <p:cNvPr id="1" name="Shape 254"/>
+        <p:cNvGrpSpPr/>
+        <p:nvPr/>
+      </p:nvGrpSpPr>
+      <p:grpSpPr>
+        <a:xfrm>
+          <a:off x="0" y="0"/>
+          <a:ext cx="0" cy="0"/>
+          <a:chOff x="0" y="0"/>
+          <a:chExt cx="0" cy="0"/>
+        </a:xfrm>
+      </p:grpSpPr>
+      <p:sp>
+        <p:nvSpPr>
+          <p:cNvPr id="255" name="Google Shape;255;p37"/>
+          <p:cNvSpPr txBox="1">
+            <a:spLocks noGrp="1"/>
+          </p:cNvSpPr>
+          <p:nvPr>
+            <p:ph type="title"/>
+          </p:nvPr>
+        </p:nvSpPr>
+        <p:spPr>
+          <a:xfrm>
+            <a:off x="713225" y="445025"/>
+            <a:ext cx="4711500" cy="572700"/>
+          </a:xfrm>
+          <a:prstGeom prst="rect">
+            <a:avLst/>
+          </a:prstGeom>
+        </p:spPr>
+        <p:txBody>
+          <a:bodyPr spcFirstLastPara="1" wrap="square" lIns="91425" tIns="91425" rIns="91425" bIns="91425" anchor="t" anchorCtr="0">
+            <a:noAutofit/>
+          </a:bodyPr>
+          <a:lstStyle/>
+          <a:p>
+            <a:pPr marL="0" lvl="0" indent="0" algn="l" rtl="0">
+              <a:spcBef>
+                <a:spcPts val="0"/>
+              </a:spcBef>
+              <a:spcAft>
+                <a:spcPts val="0"/>
+              </a:spcAft>
+              <a:buNone/>
+            </a:pPr>
+            <a:r>
+              <a:rPr lang="en-US" b="1">
+                <a:latin typeface="Calibri" panose="020F0502020204030204" pitchFamily="34" charset="0"/>
+                <a:ea typeface="Cambria" panose="02040503050406030204" pitchFamily="18" charset="0"/>
+                <a:cs typeface="Calibri" panose="020F0502020204030204" pitchFamily="34" charset="0"/>
+              </a:rPr>
+              <a:t>Nội dung:</a:t>
+            </a:r>
+            <a:endParaRPr b="1">
+              <a:latin typeface="Calibri" panose="020F0502020204030204" pitchFamily="34" charset="0"/>
+              <a:ea typeface="Cambria" panose="02040503050406030204" pitchFamily="18" charset="0"/>
+              <a:cs typeface="Calibri" panose="020F0502020204030204" pitchFamily="34" charset="0"/>
+            </a:endParaRPr>
+          </a:p>
+        </p:txBody>
+      </p:sp>
+      <p:sp>
+        <p:nvSpPr>
+          <p:cNvPr id="256" name="Google Shape;256;p37"/>
+          <p:cNvSpPr txBox="1">
+            <a:spLocks noGrp="1"/>
+          </p:cNvSpPr>
+          <p:nvPr>
+            <p:ph type="body" idx="1"/>
+          </p:nvPr>
+        </p:nvSpPr>
+        <p:spPr>
+          <a:xfrm>
+            <a:off x="713250" y="1272925"/>
+            <a:ext cx="7717500" cy="3295800"/>
+          </a:xfrm>
+          <a:prstGeom prst="rect">
+            <a:avLst/>
+          </a:prstGeom>
+        </p:spPr>
+        <p:txBody>
+          <a:bodyPr spcFirstLastPara="1" wrap="square" lIns="91425" tIns="91425" rIns="91425" bIns="91425" anchor="t" anchorCtr="0">
+            <a:noAutofit/>
+          </a:bodyPr>
+          <a:lstStyle/>
+          <a:p>
+            <a:pPr marL="457200" lvl="0" indent="-298450" algn="l" rtl="0">
+              <a:lnSpc>
+                <a:spcPct val="200000"/>
+              </a:lnSpc>
+              <a:spcBef>
+                <a:spcPts val="1200"/>
+              </a:spcBef>
+              <a:spcAft>
+                <a:spcPts val="0"/>
+              </a:spcAft>
+              <a:buSzPts val="1100"/>
+              <a:buFont typeface="Montserrat Medium"/>
+              <a:buChar char="●"/>
+            </a:pPr>
+            <a:r>
+              <a:rPr lang="en-US" sz="2000">
+                <a:solidFill>
+                  <a:schemeClr val="dk1"/>
+                </a:solidFill>
+              </a:rPr>
+              <a:t>Chức năng của hệ thống.</a:t>
+            </a:r>
+            <a:endParaRPr sz="2000">
+              <a:solidFill>
+                <a:schemeClr val="dk1"/>
+              </a:solidFill>
+            </a:endParaRPr>
+          </a:p>
+          <a:p>
+            <a:pPr marL="457200" lvl="0" indent="-298450" algn="l" rtl="0">
+              <a:lnSpc>
+                <a:spcPct val="200000"/>
+              </a:lnSpc>
+              <a:spcBef>
+                <a:spcPts val="0"/>
+              </a:spcBef>
+              <a:spcAft>
+                <a:spcPts val="0"/>
+              </a:spcAft>
+              <a:buSzPts val="1100"/>
+              <a:buChar char="●"/>
+            </a:pPr>
+            <a:r>
+              <a:rPr lang="en-US" sz="2000">
+                <a:solidFill>
+                  <a:schemeClr val="dk1"/>
+                </a:solidFill>
+              </a:rPr>
+              <a:t>Cấu trúc c</a:t>
+            </a:r>
+            <a:r>
+              <a:rPr lang="vi-VN" sz="2000">
+                <a:solidFill>
+                  <a:schemeClr val="dk1"/>
+                </a:solidFill>
+              </a:rPr>
+              <a:t>ơ</a:t>
+            </a:r>
+            <a:r>
+              <a:rPr lang="en-US" sz="2000">
+                <a:solidFill>
+                  <a:schemeClr val="dk1"/>
+                </a:solidFill>
+              </a:rPr>
+              <a:t> sở dữ liệu.</a:t>
+            </a:r>
+            <a:endParaRPr sz="2000">
+              <a:solidFill>
+                <a:schemeClr val="dk1"/>
+              </a:solidFill>
+            </a:endParaRPr>
+          </a:p>
+          <a:p>
+            <a:pPr marL="457200" lvl="0" indent="-298450" algn="l" rtl="0">
+              <a:lnSpc>
+                <a:spcPct val="200000"/>
+              </a:lnSpc>
+              <a:spcBef>
+                <a:spcPts val="0"/>
+              </a:spcBef>
+              <a:spcAft>
+                <a:spcPts val="0"/>
+              </a:spcAft>
+              <a:buSzPts val="1100"/>
+              <a:buFont typeface="Montserrat Medium"/>
+              <a:buChar char="●"/>
+            </a:pPr>
+            <a:r>
+              <a:rPr lang="en-US" sz="2000">
+                <a:solidFill>
+                  <a:schemeClr val="dk1"/>
+                </a:solidFill>
+              </a:rPr>
+              <a:t>Thủ tục và hàm.</a:t>
+            </a:r>
+            <a:endParaRPr sz="2000">
+              <a:solidFill>
+                <a:schemeClr val="dk1"/>
+              </a:solidFill>
+            </a:endParaRPr>
+          </a:p>
+          <a:p>
+            <a:pPr marL="457200" lvl="0" indent="-298450" algn="l" rtl="0">
+              <a:lnSpc>
+                <a:spcPct val="200000"/>
+              </a:lnSpc>
+              <a:spcBef>
+                <a:spcPts val="0"/>
+              </a:spcBef>
+              <a:spcAft>
+                <a:spcPts val="0"/>
+              </a:spcAft>
+              <a:buSzPts val="1100"/>
+              <a:buFont typeface="Montserrat Medium"/>
+              <a:buChar char="●"/>
+            </a:pPr>
+            <a:r>
+              <a:rPr lang="en-US" sz="2000">
+                <a:solidFill>
+                  <a:schemeClr val="dk1"/>
+                </a:solidFill>
+              </a:rPr>
+              <a:t>Hình ảnh demo hệ thống.</a:t>
+            </a:r>
+            <a:endParaRPr sz="2000">
+              <a:solidFill>
+                <a:schemeClr val="dk1"/>
+              </a:solidFill>
+            </a:endParaRPr>
+          </a:p>
+        </p:txBody>
+      </p:sp>
+    </p:spTree>
+    <p:extLst>
+      <p:ext uri="{BB962C8B-B14F-4D97-AF65-F5344CB8AC3E}">
+        <p14:creationId xmlns:p14="http://schemas.microsoft.com/office/powerpoint/2010/main" val="2597129467"/>
+      </p:ext>
+    </p:extLst>
+  </p:cSld>
+  <p:clrMapOvr>
+    <a:masterClrMapping/>
+  </p:clrMapOvr>
+</p:sld>
+</file>
+
+<file path=ppt/slides/slide20.xml><?xml version="1.0" encoding="utf-8"?>
+<p:sld xmlns:a="http://schemas.openxmlformats.org/drawingml/2006/main" xmlns:r="http://schemas.openxmlformats.org/officeDocument/2006/relationships" xmlns:p="http://schemas.openxmlformats.org/presentationml/2006/main">
+  <p:cSld>
+    <p:spTree>
+      <p:nvGrpSpPr>
+        <p:cNvPr id="1" name=""/>
+        <p:cNvGrpSpPr/>
+        <p:nvPr/>
+      </p:nvGrpSpPr>
+      <p:grpSpPr>
+        <a:xfrm>
+          <a:off x="0" y="0"/>
+          <a:ext cx="0" cy="0"/>
+          <a:chOff x="0" y="0"/>
+          <a:chExt cx="0" cy="0"/>
+        </a:xfrm>
+      </p:grpSpPr>
+      <p:pic>
+        <p:nvPicPr>
+          <p:cNvPr id="2" name="Picture 1">
+            <a:extLst>
+              <a:ext uri="{FF2B5EF4-FFF2-40B4-BE49-F238E27FC236}">
+                <a16:creationId xmlns:a16="http://schemas.microsoft.com/office/drawing/2014/main" id="{632E6E08-C4CF-488A-ABE2-2CD5491899AD}"/>
+              </a:ext>
+            </a:extLst>
+          </p:cNvPr>
+          <p:cNvPicPr>
+            <a:picLocks noChangeAspect="1"/>
+          </p:cNvPicPr>
+          <p:nvPr/>
+        </p:nvPicPr>
+        <p:blipFill>
+          <a:blip r:embed="rId2"/>
+          <a:stretch>
+            <a:fillRect/>
+          </a:stretch>
+        </p:blipFill>
+        <p:spPr>
+          <a:xfrm>
+            <a:off x="1893338" y="959980"/>
+            <a:ext cx="5357324" cy="3223539"/>
+          </a:xfrm>
+          <a:prstGeom prst="rect">
+            <a:avLst/>
+          </a:prstGeom>
+        </p:spPr>
+      </p:pic>
+      <p:sp>
+        <p:nvSpPr>
+          <p:cNvPr id="3" name="TextBox 2">
+            <a:extLst>
+              <a:ext uri="{FF2B5EF4-FFF2-40B4-BE49-F238E27FC236}">
+                <a16:creationId xmlns:a16="http://schemas.microsoft.com/office/drawing/2014/main" id="{A246C06A-FA37-4569-A9C9-912F3963A1EE}"/>
+              </a:ext>
+            </a:extLst>
+          </p:cNvPr>
+          <p:cNvSpPr txBox="1"/>
+          <p:nvPr/>
+        </p:nvSpPr>
+        <p:spPr>
+          <a:xfrm>
+            <a:off x="0" y="4183519"/>
+            <a:ext cx="9144000" cy="307777"/>
+          </a:xfrm>
+          <a:prstGeom prst="rect">
+            <a:avLst/>
+          </a:prstGeom>
+          <a:noFill/>
+        </p:spPr>
+        <p:txBody>
+          <a:bodyPr wrap="square" rtlCol="0">
+            <a:spAutoFit/>
+          </a:bodyPr>
+          <a:lstStyle/>
+          <a:p>
+            <a:pPr algn="ctr"/>
+            <a:r>
+              <a:rPr lang="en-US" b="1">
+                <a:latin typeface="+mn-lt"/>
+              </a:rPr>
+              <a:t>Xóa loại sản phẩm</a:t>
+            </a:r>
+          </a:p>
+        </p:txBody>
+      </p:sp>
+    </p:spTree>
+    <p:extLst>
+      <p:ext uri="{BB962C8B-B14F-4D97-AF65-F5344CB8AC3E}">
+        <p14:creationId xmlns:p14="http://schemas.microsoft.com/office/powerpoint/2010/main" val="3933832334"/>
+      </p:ext>
+    </p:extLst>
+  </p:cSld>
+  <p:clrMapOvr>
+    <a:masterClrMapping/>
+  </p:clrMapOvr>
+</p:sld>
+</file>
+
+<file path=ppt/slides/slide21.xml><?xml version="1.0" encoding="utf-8"?>
+<p:sld xmlns:a="http://schemas.openxmlformats.org/drawingml/2006/main" xmlns:r="http://schemas.openxmlformats.org/officeDocument/2006/relationships" xmlns:p="http://schemas.openxmlformats.org/presentationml/2006/main">
+  <p:cSld>
+    <p:spTree>
+      <p:nvGrpSpPr>
+        <p:cNvPr id="1" name=""/>
+        <p:cNvGrpSpPr/>
+        <p:nvPr/>
+      </p:nvGrpSpPr>
+      <p:grpSpPr>
+        <a:xfrm>
+          <a:off x="0" y="0"/>
+          <a:ext cx="0" cy="0"/>
+          <a:chOff x="0" y="0"/>
+          <a:chExt cx="0" cy="0"/>
+        </a:xfrm>
+      </p:grpSpPr>
+      <p:pic>
+        <p:nvPicPr>
+          <p:cNvPr id="2" name="Picture 1">
+            <a:extLst>
+              <a:ext uri="{FF2B5EF4-FFF2-40B4-BE49-F238E27FC236}">
+                <a16:creationId xmlns:a16="http://schemas.microsoft.com/office/drawing/2014/main" id="{76AB8EF8-07ED-4224-8DAD-6C098C8F306A}"/>
+              </a:ext>
+            </a:extLst>
+          </p:cNvPr>
+          <p:cNvPicPr>
+            <a:picLocks noChangeAspect="1"/>
+          </p:cNvPicPr>
+          <p:nvPr/>
+        </p:nvPicPr>
+        <p:blipFill>
+          <a:blip r:embed="rId2"/>
+          <a:stretch>
+            <a:fillRect/>
+          </a:stretch>
+        </p:blipFill>
+        <p:spPr>
+          <a:xfrm>
+            <a:off x="1893338" y="1981149"/>
+            <a:ext cx="5357324" cy="1181202"/>
+          </a:xfrm>
+          <a:prstGeom prst="rect">
+            <a:avLst/>
+          </a:prstGeom>
+        </p:spPr>
+      </p:pic>
+      <p:sp>
+        <p:nvSpPr>
+          <p:cNvPr id="3" name="TextBox 2">
+            <a:extLst>
+              <a:ext uri="{FF2B5EF4-FFF2-40B4-BE49-F238E27FC236}">
+                <a16:creationId xmlns:a16="http://schemas.microsoft.com/office/drawing/2014/main" id="{D93B6103-AEA0-4008-97A0-61A282BDBD48}"/>
+              </a:ext>
+            </a:extLst>
+          </p:cNvPr>
+          <p:cNvSpPr txBox="1"/>
+          <p:nvPr/>
+        </p:nvSpPr>
+        <p:spPr>
+          <a:xfrm>
+            <a:off x="0" y="3162351"/>
+            <a:ext cx="9144000" cy="307777"/>
+          </a:xfrm>
+          <a:prstGeom prst="rect">
+            <a:avLst/>
+          </a:prstGeom>
+          <a:noFill/>
+        </p:spPr>
+        <p:txBody>
+          <a:bodyPr wrap="square" rtlCol="0">
+            <a:spAutoFit/>
+          </a:bodyPr>
+          <a:lstStyle/>
+          <a:p>
+            <a:pPr algn="ctr"/>
+            <a:r>
+              <a:rPr lang="en-US" b="1">
+                <a:latin typeface="+mn-lt"/>
+              </a:rPr>
+              <a:t>Hiển thị danh sách loại sản phẩm</a:t>
+            </a:r>
+          </a:p>
+        </p:txBody>
+      </p:sp>
+    </p:spTree>
+    <p:extLst>
+      <p:ext uri="{BB962C8B-B14F-4D97-AF65-F5344CB8AC3E}">
+        <p14:creationId xmlns:p14="http://schemas.microsoft.com/office/powerpoint/2010/main" val="655774492"/>
+      </p:ext>
+    </p:extLst>
+  </p:cSld>
+  <p:clrMapOvr>
+    <a:masterClrMapping/>
+  </p:clrMapOvr>
+</p:sld>
+</file>
+
+<file path=ppt/slides/slide22.xml><?xml version="1.0" encoding="utf-8"?>
+<p:sld xmlns:a="http://schemas.openxmlformats.org/drawingml/2006/main" xmlns:r="http://schemas.openxmlformats.org/officeDocument/2006/relationships" xmlns:p="http://schemas.openxmlformats.org/presentationml/2006/main">
+  <p:cSld>
+    <p:spTree>
+      <p:nvGrpSpPr>
+        <p:cNvPr id="1" name=""/>
+        <p:cNvGrpSpPr/>
+        <p:nvPr/>
+      </p:nvGrpSpPr>
+      <p:grpSpPr>
+        <a:xfrm>
+          <a:off x="0" y="0"/>
+          <a:ext cx="0" cy="0"/>
+          <a:chOff x="0" y="0"/>
+          <a:chExt cx="0" cy="0"/>
+        </a:xfrm>
+      </p:grpSpPr>
+      <p:pic>
+        <p:nvPicPr>
+          <p:cNvPr id="2" name="Picture 1">
+            <a:extLst>
+              <a:ext uri="{FF2B5EF4-FFF2-40B4-BE49-F238E27FC236}">
+                <a16:creationId xmlns:a16="http://schemas.microsoft.com/office/drawing/2014/main" id="{7A5DC5A0-14F9-4EFF-8FE8-B43A782A14D7}"/>
+              </a:ext>
+            </a:extLst>
+          </p:cNvPr>
+          <p:cNvPicPr>
+            <a:picLocks noChangeAspect="1"/>
+          </p:cNvPicPr>
+          <p:nvPr/>
+        </p:nvPicPr>
+        <p:blipFill>
+          <a:blip r:embed="rId2"/>
+          <a:stretch>
+            <a:fillRect/>
+          </a:stretch>
+        </p:blipFill>
+        <p:spPr>
+          <a:xfrm>
+            <a:off x="3009764" y="1729667"/>
+            <a:ext cx="3124471" cy="1684166"/>
+          </a:xfrm>
+          <a:prstGeom prst="rect">
+            <a:avLst/>
+          </a:prstGeom>
+        </p:spPr>
+      </p:pic>
+      <p:sp>
+        <p:nvSpPr>
+          <p:cNvPr id="3" name="TextBox 2">
+            <a:extLst>
+              <a:ext uri="{FF2B5EF4-FFF2-40B4-BE49-F238E27FC236}">
+                <a16:creationId xmlns:a16="http://schemas.microsoft.com/office/drawing/2014/main" id="{6B158EC6-ED3A-45F2-A401-B7A29C4799AC}"/>
+              </a:ext>
+            </a:extLst>
+          </p:cNvPr>
+          <p:cNvSpPr txBox="1"/>
+          <p:nvPr/>
+        </p:nvSpPr>
+        <p:spPr>
+          <a:xfrm>
+            <a:off x="-1" y="3413833"/>
+            <a:ext cx="9144000" cy="307777"/>
+          </a:xfrm>
+          <a:prstGeom prst="rect">
+            <a:avLst/>
+          </a:prstGeom>
+          <a:noFill/>
+        </p:spPr>
+        <p:txBody>
+          <a:bodyPr wrap="square" rtlCol="0">
+            <a:spAutoFit/>
+          </a:bodyPr>
+          <a:lstStyle/>
+          <a:p>
+            <a:pPr algn="ctr"/>
+            <a:r>
+              <a:rPr lang="en-US" b="1">
+                <a:latin typeface="+mn-lt"/>
+              </a:rPr>
+              <a:t>Danh mục quản lý Lô hàng</a:t>
+            </a:r>
+          </a:p>
+        </p:txBody>
+      </p:sp>
+    </p:spTree>
+    <p:extLst>
+      <p:ext uri="{BB962C8B-B14F-4D97-AF65-F5344CB8AC3E}">
+        <p14:creationId xmlns:p14="http://schemas.microsoft.com/office/powerpoint/2010/main" val="2689988144"/>
+      </p:ext>
+    </p:extLst>
+  </p:cSld>
+  <p:clrMapOvr>
+    <a:masterClrMapping/>
+  </p:clrMapOvr>
+</p:sld>
+</file>
+
+<file path=ppt/slides/slide23.xml><?xml version="1.0" encoding="utf-8"?>
+<p:sld xmlns:a="http://schemas.openxmlformats.org/drawingml/2006/main" xmlns:r="http://schemas.openxmlformats.org/officeDocument/2006/relationships" xmlns:p="http://schemas.openxmlformats.org/presentationml/2006/main">
+  <p:cSld>
+    <p:spTree>
+      <p:nvGrpSpPr>
+        <p:cNvPr id="1" name=""/>
+        <p:cNvGrpSpPr/>
+        <p:nvPr/>
+      </p:nvGrpSpPr>
+      <p:grpSpPr>
+        <a:xfrm>
+          <a:off x="0" y="0"/>
+          <a:ext cx="0" cy="0"/>
+          <a:chOff x="0" y="0"/>
+          <a:chExt cx="0" cy="0"/>
+        </a:xfrm>
+      </p:grpSpPr>
+      <p:pic>
+        <p:nvPicPr>
+          <p:cNvPr id="3" name="Picture 2">
+            <a:extLst>
+              <a:ext uri="{FF2B5EF4-FFF2-40B4-BE49-F238E27FC236}">
+                <a16:creationId xmlns:a16="http://schemas.microsoft.com/office/drawing/2014/main" id="{C16E3CFA-BA3B-4123-87DF-10F464016687}"/>
+              </a:ext>
+            </a:extLst>
+          </p:cNvPr>
+          <p:cNvPicPr>
+            <a:picLocks noChangeAspect="1"/>
+          </p:cNvPicPr>
+          <p:nvPr/>
+        </p:nvPicPr>
+        <p:blipFill>
+          <a:blip r:embed="rId2"/>
+          <a:stretch>
+            <a:fillRect/>
+          </a:stretch>
+        </p:blipFill>
+        <p:spPr>
+          <a:xfrm>
+            <a:off x="3063109" y="1573443"/>
+            <a:ext cx="3017782" cy="1996613"/>
+          </a:xfrm>
+          <a:prstGeom prst="rect">
+            <a:avLst/>
+          </a:prstGeom>
+        </p:spPr>
+      </p:pic>
+      <p:sp>
+        <p:nvSpPr>
+          <p:cNvPr id="4" name="TextBox 3">
+            <a:extLst>
+              <a:ext uri="{FF2B5EF4-FFF2-40B4-BE49-F238E27FC236}">
+                <a16:creationId xmlns:a16="http://schemas.microsoft.com/office/drawing/2014/main" id="{4567946A-F4E7-4B4B-B81F-3E7DF94440B4}"/>
+              </a:ext>
+            </a:extLst>
+          </p:cNvPr>
+          <p:cNvSpPr txBox="1"/>
+          <p:nvPr/>
+        </p:nvSpPr>
+        <p:spPr>
+          <a:xfrm>
+            <a:off x="0" y="3570056"/>
+            <a:ext cx="9144000" cy="307777"/>
+          </a:xfrm>
+          <a:prstGeom prst="rect">
+            <a:avLst/>
+          </a:prstGeom>
+          <a:noFill/>
+        </p:spPr>
+        <p:txBody>
+          <a:bodyPr wrap="square" rtlCol="0">
+            <a:spAutoFit/>
+          </a:bodyPr>
+          <a:lstStyle/>
+          <a:p>
+            <a:pPr algn="ctr"/>
+            <a:r>
+              <a:rPr lang="en-US" b="1">
+                <a:latin typeface="+mn-lt"/>
+              </a:rPr>
+              <a:t>Thêm lô hàng</a:t>
+            </a:r>
+          </a:p>
+        </p:txBody>
+      </p:sp>
+    </p:spTree>
+    <p:extLst>
+      <p:ext uri="{BB962C8B-B14F-4D97-AF65-F5344CB8AC3E}">
+        <p14:creationId xmlns:p14="http://schemas.microsoft.com/office/powerpoint/2010/main" val="2533360430"/>
+      </p:ext>
+    </p:extLst>
+  </p:cSld>
+  <p:clrMapOvr>
+    <a:masterClrMapping/>
+  </p:clrMapOvr>
+</p:sld>
+</file>
+
+<file path=ppt/slides/slide24.xml><?xml version="1.0" encoding="utf-8"?>
+<p:sld xmlns:a="http://schemas.openxmlformats.org/drawingml/2006/main" xmlns:r="http://schemas.openxmlformats.org/officeDocument/2006/relationships" xmlns:p="http://schemas.openxmlformats.org/presentationml/2006/main">
+  <p:cSld>
+    <p:spTree>
+      <p:nvGrpSpPr>
+        <p:cNvPr id="1" name=""/>
+        <p:cNvGrpSpPr/>
+        <p:nvPr/>
+      </p:nvGrpSpPr>
+      <p:grpSpPr>
+        <a:xfrm>
+          <a:off x="0" y="0"/>
+          <a:ext cx="0" cy="0"/>
+          <a:chOff x="0" y="0"/>
+          <a:chExt cx="0" cy="0"/>
+        </a:xfrm>
+      </p:grpSpPr>
+      <p:pic>
+        <p:nvPicPr>
+          <p:cNvPr id="3" name="Picture 2">
+            <a:extLst>
+              <a:ext uri="{FF2B5EF4-FFF2-40B4-BE49-F238E27FC236}">
+                <a16:creationId xmlns:a16="http://schemas.microsoft.com/office/drawing/2014/main" id="{4927E30D-4450-41F9-9825-12722B04626C}"/>
+              </a:ext>
+            </a:extLst>
+          </p:cNvPr>
+          <p:cNvPicPr>
+            <a:picLocks noChangeAspect="1"/>
+          </p:cNvPicPr>
+          <p:nvPr/>
+        </p:nvPicPr>
+        <p:blipFill>
+          <a:blip r:embed="rId2"/>
+          <a:stretch>
+            <a:fillRect/>
+          </a:stretch>
+        </p:blipFill>
+        <p:spPr>
+          <a:xfrm>
+            <a:off x="3063109" y="933308"/>
+            <a:ext cx="3017782" cy="3276884"/>
+          </a:xfrm>
+          <a:prstGeom prst="rect">
+            <a:avLst/>
+          </a:prstGeom>
+        </p:spPr>
+      </p:pic>
+      <p:sp>
+        <p:nvSpPr>
+          <p:cNvPr id="4" name="TextBox 3">
+            <a:extLst>
+              <a:ext uri="{FF2B5EF4-FFF2-40B4-BE49-F238E27FC236}">
+                <a16:creationId xmlns:a16="http://schemas.microsoft.com/office/drawing/2014/main" id="{F8E2D68B-631F-40A7-AADD-E61F9D88A71A}"/>
+              </a:ext>
+            </a:extLst>
+          </p:cNvPr>
+          <p:cNvSpPr txBox="1"/>
+          <p:nvPr/>
+        </p:nvSpPr>
+        <p:spPr>
+          <a:xfrm>
+            <a:off x="0" y="4210192"/>
+            <a:ext cx="9144000" cy="307777"/>
+          </a:xfrm>
+          <a:prstGeom prst="rect">
+            <a:avLst/>
+          </a:prstGeom>
+          <a:noFill/>
+        </p:spPr>
+        <p:txBody>
+          <a:bodyPr wrap="square" rtlCol="0">
+            <a:spAutoFit/>
+          </a:bodyPr>
+          <a:lstStyle/>
+          <a:p>
+            <a:pPr algn="ctr"/>
+            <a:r>
+              <a:rPr lang="en-US" b="1">
+                <a:latin typeface="+mn-lt"/>
+              </a:rPr>
+              <a:t>Chỉnh sửa lô hàng</a:t>
+            </a:r>
+          </a:p>
+        </p:txBody>
+      </p:sp>
+    </p:spTree>
+    <p:extLst>
+      <p:ext uri="{BB962C8B-B14F-4D97-AF65-F5344CB8AC3E}">
+        <p14:creationId xmlns:p14="http://schemas.microsoft.com/office/powerpoint/2010/main" val="1632680183"/>
+      </p:ext>
+    </p:extLst>
+  </p:cSld>
+  <p:clrMapOvr>
+    <a:masterClrMapping/>
+  </p:clrMapOvr>
+</p:sld>
+</file>
+
+<file path=ppt/slides/slide25.xml><?xml version="1.0" encoding="utf-8"?>
+<p:sld xmlns:a="http://schemas.openxmlformats.org/drawingml/2006/main" xmlns:r="http://schemas.openxmlformats.org/officeDocument/2006/relationships" xmlns:p="http://schemas.openxmlformats.org/presentationml/2006/main">
+  <p:cSld>
+    <p:spTree>
+      <p:nvGrpSpPr>
+        <p:cNvPr id="1" name=""/>
+        <p:cNvGrpSpPr/>
+        <p:nvPr/>
+      </p:nvGrpSpPr>
+      <p:grpSpPr>
+        <a:xfrm>
+          <a:off x="0" y="0"/>
+          <a:ext cx="0" cy="0"/>
+          <a:chOff x="0" y="0"/>
+          <a:chExt cx="0" cy="0"/>
+        </a:xfrm>
+      </p:grpSpPr>
+      <p:pic>
+        <p:nvPicPr>
+          <p:cNvPr id="2" name="Picture 1">
+            <a:extLst>
+              <a:ext uri="{FF2B5EF4-FFF2-40B4-BE49-F238E27FC236}">
+                <a16:creationId xmlns:a16="http://schemas.microsoft.com/office/drawing/2014/main" id="{BB8BD68D-19E0-4EAF-B379-19A529FF8A65}"/>
+              </a:ext>
+            </a:extLst>
+          </p:cNvPr>
+          <p:cNvPicPr>
+            <a:picLocks noChangeAspect="1"/>
+          </p:cNvPicPr>
+          <p:nvPr/>
+        </p:nvPicPr>
+        <p:blipFill>
+          <a:blip r:embed="rId2"/>
+          <a:stretch>
+            <a:fillRect/>
+          </a:stretch>
+        </p:blipFill>
+        <p:spPr>
+          <a:xfrm>
+            <a:off x="3063109" y="963790"/>
+            <a:ext cx="3017782" cy="3215919"/>
+          </a:xfrm>
+          <a:prstGeom prst="rect">
+            <a:avLst/>
+          </a:prstGeom>
+        </p:spPr>
+      </p:pic>
+      <p:sp>
+        <p:nvSpPr>
+          <p:cNvPr id="3" name="TextBox 2">
+            <a:extLst>
+              <a:ext uri="{FF2B5EF4-FFF2-40B4-BE49-F238E27FC236}">
+                <a16:creationId xmlns:a16="http://schemas.microsoft.com/office/drawing/2014/main" id="{6C80FE5C-DF30-4AA8-9C5B-D695E1209A35}"/>
+              </a:ext>
+            </a:extLst>
+          </p:cNvPr>
+          <p:cNvSpPr txBox="1"/>
+          <p:nvPr/>
+        </p:nvSpPr>
+        <p:spPr>
+          <a:xfrm>
+            <a:off x="0" y="4179709"/>
+            <a:ext cx="9144000" cy="307777"/>
+          </a:xfrm>
+          <a:prstGeom prst="rect">
+            <a:avLst/>
+          </a:prstGeom>
+          <a:noFill/>
+        </p:spPr>
+        <p:txBody>
+          <a:bodyPr wrap="square" rtlCol="0">
+            <a:spAutoFit/>
+          </a:bodyPr>
+          <a:lstStyle/>
+          <a:p>
+            <a:pPr algn="ctr"/>
+            <a:r>
+              <a:rPr lang="en-US" b="1">
+                <a:latin typeface="+mn-lt"/>
+              </a:rPr>
+              <a:t>Xóa lô hàng</a:t>
+            </a:r>
+          </a:p>
+        </p:txBody>
+      </p:sp>
+    </p:spTree>
+    <p:extLst>
+      <p:ext uri="{BB962C8B-B14F-4D97-AF65-F5344CB8AC3E}">
+        <p14:creationId xmlns:p14="http://schemas.microsoft.com/office/powerpoint/2010/main" val="1234838465"/>
+      </p:ext>
+    </p:extLst>
+  </p:cSld>
+  <p:clrMapOvr>
+    <a:masterClrMapping/>
+  </p:clrMapOvr>
+</p:sld>
+</file>
+
+<file path=ppt/slides/slide26.xml><?xml version="1.0" encoding="utf-8"?>
+<p:sld xmlns:a="http://schemas.openxmlformats.org/drawingml/2006/main" xmlns:r="http://schemas.openxmlformats.org/officeDocument/2006/relationships" xmlns:p="http://schemas.openxmlformats.org/presentationml/2006/main">
+  <p:cSld>
+    <p:spTree>
+      <p:nvGrpSpPr>
+        <p:cNvPr id="1" name=""/>
+        <p:cNvGrpSpPr/>
+        <p:nvPr/>
+      </p:nvGrpSpPr>
+      <p:grpSpPr>
+        <a:xfrm>
+          <a:off x="0" y="0"/>
+          <a:ext cx="0" cy="0"/>
+          <a:chOff x="0" y="0"/>
+          <a:chExt cx="0" cy="0"/>
+        </a:xfrm>
+      </p:grpSpPr>
+      <p:pic>
+        <p:nvPicPr>
+          <p:cNvPr id="2" name="Picture 1">
+            <a:extLst>
+              <a:ext uri="{FF2B5EF4-FFF2-40B4-BE49-F238E27FC236}">
+                <a16:creationId xmlns:a16="http://schemas.microsoft.com/office/drawing/2014/main" id="{48AF7EAB-0897-4A80-BD70-E4BC3DBF82DA}"/>
+              </a:ext>
+            </a:extLst>
+          </p:cNvPr>
+          <p:cNvPicPr>
+            <a:picLocks noChangeAspect="1"/>
+          </p:cNvPicPr>
+          <p:nvPr/>
+        </p:nvPicPr>
+        <p:blipFill>
+          <a:blip r:embed="rId2"/>
+          <a:stretch>
+            <a:fillRect/>
+          </a:stretch>
+        </p:blipFill>
+        <p:spPr>
+          <a:xfrm>
+            <a:off x="2735421" y="1855408"/>
+            <a:ext cx="3673158" cy="1432684"/>
+          </a:xfrm>
+          <a:prstGeom prst="rect">
+            <a:avLst/>
+          </a:prstGeom>
+        </p:spPr>
+      </p:pic>
+      <p:sp>
+        <p:nvSpPr>
+          <p:cNvPr id="3" name="TextBox 2">
+            <a:extLst>
+              <a:ext uri="{FF2B5EF4-FFF2-40B4-BE49-F238E27FC236}">
+                <a16:creationId xmlns:a16="http://schemas.microsoft.com/office/drawing/2014/main" id="{D10CBA78-CD4F-4364-A4BF-C960658DFE53}"/>
+              </a:ext>
+            </a:extLst>
+          </p:cNvPr>
+          <p:cNvSpPr txBox="1"/>
+          <p:nvPr/>
+        </p:nvSpPr>
+        <p:spPr>
+          <a:xfrm>
+            <a:off x="0" y="3288092"/>
+            <a:ext cx="9144000" cy="307777"/>
+          </a:xfrm>
+          <a:prstGeom prst="rect">
+            <a:avLst/>
+          </a:prstGeom>
+          <a:noFill/>
+        </p:spPr>
+        <p:txBody>
+          <a:bodyPr wrap="square" rtlCol="0">
+            <a:spAutoFit/>
+          </a:bodyPr>
+          <a:lstStyle/>
+          <a:p>
+            <a:pPr algn="ctr"/>
+            <a:r>
+              <a:rPr lang="en-US" b="1">
+                <a:latin typeface="+mn-lt"/>
+              </a:rPr>
+              <a:t>Hiển thị danh sách lô hàng</a:t>
+            </a:r>
+          </a:p>
+        </p:txBody>
+      </p:sp>
+    </p:spTree>
+    <p:extLst>
+      <p:ext uri="{BB962C8B-B14F-4D97-AF65-F5344CB8AC3E}">
+        <p14:creationId xmlns:p14="http://schemas.microsoft.com/office/powerpoint/2010/main" val="3926723074"/>
+      </p:ext>
+    </p:extLst>
+  </p:cSld>
+  <p:clrMapOvr>
+    <a:masterClrMapping/>
+  </p:clrMapOvr>
+</p:sld>
+</file>
+
+<file path=ppt/slides/slide27.xml><?xml version="1.0" encoding="utf-8"?>
+<p:sld xmlns:a="http://schemas.openxmlformats.org/drawingml/2006/main" xmlns:r="http://schemas.openxmlformats.org/officeDocument/2006/relationships" xmlns:p="http://schemas.openxmlformats.org/presentationml/2006/main">
+  <p:cSld>
+    <p:spTree>
+      <p:nvGrpSpPr>
+        <p:cNvPr id="1" name=""/>
+        <p:cNvGrpSpPr/>
+        <p:nvPr/>
+      </p:nvGrpSpPr>
+      <p:grpSpPr>
+        <a:xfrm>
+          <a:off x="0" y="0"/>
+          <a:ext cx="0" cy="0"/>
+          <a:chOff x="0" y="0"/>
+          <a:chExt cx="0" cy="0"/>
+        </a:xfrm>
+      </p:grpSpPr>
+      <p:pic>
+        <p:nvPicPr>
+          <p:cNvPr id="2" name="Picture 1">
+            <a:extLst>
+              <a:ext uri="{FF2B5EF4-FFF2-40B4-BE49-F238E27FC236}">
+                <a16:creationId xmlns:a16="http://schemas.microsoft.com/office/drawing/2014/main" id="{98F8E6BE-DE2E-4A07-9B3B-4F635AC88ADB}"/>
+              </a:ext>
+            </a:extLst>
+          </p:cNvPr>
+          <p:cNvPicPr>
+            <a:picLocks noChangeAspect="1"/>
+          </p:cNvPicPr>
+          <p:nvPr/>
+        </p:nvPicPr>
+        <p:blipFill>
+          <a:blip r:embed="rId2"/>
+          <a:stretch>
+            <a:fillRect/>
+          </a:stretch>
+        </p:blipFill>
+        <p:spPr>
+          <a:xfrm>
+            <a:off x="475895" y="1824925"/>
+            <a:ext cx="8192210" cy="1493649"/>
+          </a:xfrm>
+          <a:prstGeom prst="rect">
+            <a:avLst/>
+          </a:prstGeom>
+        </p:spPr>
+      </p:pic>
+      <p:sp>
+        <p:nvSpPr>
+          <p:cNvPr id="3" name="TextBox 2">
+            <a:extLst>
+              <a:ext uri="{FF2B5EF4-FFF2-40B4-BE49-F238E27FC236}">
+                <a16:creationId xmlns:a16="http://schemas.microsoft.com/office/drawing/2014/main" id="{FACEA137-38DF-4C54-9B73-431C63CC016B}"/>
+              </a:ext>
+            </a:extLst>
+          </p:cNvPr>
+          <p:cNvSpPr txBox="1"/>
+          <p:nvPr/>
+        </p:nvSpPr>
+        <p:spPr>
+          <a:xfrm>
+            <a:off x="0" y="3318574"/>
+            <a:ext cx="9144000" cy="307777"/>
+          </a:xfrm>
+          <a:prstGeom prst="rect">
+            <a:avLst/>
+          </a:prstGeom>
+          <a:noFill/>
+        </p:spPr>
+        <p:txBody>
+          <a:bodyPr wrap="square" rtlCol="0">
+            <a:spAutoFit/>
+          </a:bodyPr>
+          <a:lstStyle/>
+          <a:p>
+            <a:pPr algn="ctr"/>
+            <a:r>
+              <a:rPr lang="en-US" b="1">
+                <a:latin typeface="+mn-lt"/>
+              </a:rPr>
+              <a:t>Quản lý Lô </a:t>
+            </a:r>
+            <a:r>
+              <a:rPr lang="en-US" b="1">
+                <a:latin typeface="Calibri" panose="020F0502020204030204" pitchFamily="34" charset="0"/>
+                <a:cs typeface="Calibri" panose="020F0502020204030204" pitchFamily="34" charset="0"/>
+              </a:rPr>
+              <a:t>hàng</a:t>
+            </a:r>
+            <a:r>
+              <a:rPr lang="en-US" b="1"/>
+              <a:t> </a:t>
+            </a:r>
+            <a:r>
+              <a:rPr lang="en-US" b="1">
+                <a:latin typeface="+mn-lt"/>
+              </a:rPr>
+              <a:t>Sản phẩm</a:t>
+            </a:r>
+          </a:p>
+        </p:txBody>
+      </p:sp>
+    </p:spTree>
+    <p:extLst>
+      <p:ext uri="{BB962C8B-B14F-4D97-AF65-F5344CB8AC3E}">
+        <p14:creationId xmlns:p14="http://schemas.microsoft.com/office/powerpoint/2010/main" val="3579853213"/>
+      </p:ext>
+    </p:extLst>
+  </p:cSld>
+  <p:clrMapOvr>
+    <a:masterClrMapping/>
+  </p:clrMapOvr>
+</p:sld>
+</file>
+
+<file path=ppt/slides/slide28.xml><?xml version="1.0" encoding="utf-8"?>
+<p:sld xmlns:a="http://schemas.openxmlformats.org/drawingml/2006/main" xmlns:r="http://schemas.openxmlformats.org/officeDocument/2006/relationships" xmlns:p="http://schemas.openxmlformats.org/presentationml/2006/main">
+  <p:cSld>
+    <p:spTree>
+      <p:nvGrpSpPr>
+        <p:cNvPr id="1" name=""/>
+        <p:cNvGrpSpPr/>
+        <p:nvPr/>
+      </p:nvGrpSpPr>
+      <p:grpSpPr>
+        <a:xfrm>
+          <a:off x="0" y="0"/>
+          <a:ext cx="0" cy="0"/>
+          <a:chOff x="0" y="0"/>
+          <a:chExt cx="0" cy="0"/>
+        </a:xfrm>
+      </p:grpSpPr>
+      <p:pic>
+        <p:nvPicPr>
+          <p:cNvPr id="2" name="Picture 1">
+            <a:extLst>
+              <a:ext uri="{FF2B5EF4-FFF2-40B4-BE49-F238E27FC236}">
+                <a16:creationId xmlns:a16="http://schemas.microsoft.com/office/drawing/2014/main" id="{C25F8CAC-7CC0-4507-B9E5-35BEBEA2F94F}"/>
+              </a:ext>
+            </a:extLst>
+          </p:cNvPr>
+          <p:cNvPicPr>
+            <a:picLocks noChangeAspect="1"/>
+          </p:cNvPicPr>
+          <p:nvPr/>
+        </p:nvPicPr>
+        <p:blipFill>
+          <a:blip r:embed="rId2"/>
+          <a:stretch>
+            <a:fillRect/>
+          </a:stretch>
+        </p:blipFill>
+        <p:spPr>
+          <a:xfrm>
+            <a:off x="659042" y="572272"/>
+            <a:ext cx="7825915" cy="3998956"/>
+          </a:xfrm>
+          <a:prstGeom prst="rect">
+            <a:avLst/>
+          </a:prstGeom>
+        </p:spPr>
+      </p:pic>
+      <p:sp>
+        <p:nvSpPr>
+          <p:cNvPr id="3" name="TextBox 2">
+            <a:extLst>
+              <a:ext uri="{FF2B5EF4-FFF2-40B4-BE49-F238E27FC236}">
+                <a16:creationId xmlns:a16="http://schemas.microsoft.com/office/drawing/2014/main" id="{BA744E6C-A856-4F52-B632-7457E7A4ABDA}"/>
+              </a:ext>
+            </a:extLst>
+          </p:cNvPr>
+          <p:cNvSpPr txBox="1"/>
+          <p:nvPr/>
+        </p:nvSpPr>
+        <p:spPr>
+          <a:xfrm>
+            <a:off x="-1" y="4571228"/>
+            <a:ext cx="9144000" cy="307777"/>
+          </a:xfrm>
+          <a:prstGeom prst="rect">
+            <a:avLst/>
+          </a:prstGeom>
+          <a:noFill/>
+        </p:spPr>
+        <p:txBody>
+          <a:bodyPr wrap="square" rtlCol="0">
+            <a:spAutoFit/>
+          </a:bodyPr>
+          <a:lstStyle/>
+          <a:p>
+            <a:pPr algn="ctr"/>
+            <a:r>
+              <a:rPr lang="en-US" b="1">
+                <a:latin typeface="+mn-lt"/>
+              </a:rPr>
+              <a:t>Thêm sản phẩm cho lô hàng</a:t>
+            </a:r>
+          </a:p>
+        </p:txBody>
+      </p:sp>
+    </p:spTree>
+    <p:extLst>
+      <p:ext uri="{BB962C8B-B14F-4D97-AF65-F5344CB8AC3E}">
+        <p14:creationId xmlns:p14="http://schemas.microsoft.com/office/powerpoint/2010/main" val="1804331909"/>
+      </p:ext>
+    </p:extLst>
+  </p:cSld>
+  <p:clrMapOvr>
+    <a:masterClrMapping/>
+  </p:clrMapOvr>
+</p:sld>
+</file>
+
+<file path=ppt/slides/slide29.xml><?xml version="1.0" encoding="utf-8"?>
+<p:sld xmlns:a="http://schemas.openxmlformats.org/drawingml/2006/main" xmlns:r="http://schemas.openxmlformats.org/officeDocument/2006/relationships" xmlns:p="http://schemas.openxmlformats.org/presentationml/2006/main">
+  <p:cSld>
+    <p:spTree>
+      <p:nvGrpSpPr>
+        <p:cNvPr id="1" name=""/>
+        <p:cNvGrpSpPr/>
+        <p:nvPr/>
+      </p:nvGrpSpPr>
+      <p:grpSpPr>
+        <a:xfrm>
+          <a:off x="0" y="0"/>
+          <a:ext cx="0" cy="0"/>
+          <a:chOff x="0" y="0"/>
+          <a:chExt cx="0" cy="0"/>
+        </a:xfrm>
+      </p:grpSpPr>
+      <p:pic>
+        <p:nvPicPr>
+          <p:cNvPr id="3" name="Picture 2">
+            <a:extLst>
+              <a:ext uri="{FF2B5EF4-FFF2-40B4-BE49-F238E27FC236}">
+                <a16:creationId xmlns:a16="http://schemas.microsoft.com/office/drawing/2014/main" id="{FA6A21EA-DE62-4DF7-BBA9-04F5FCC5DCAB}"/>
+              </a:ext>
+            </a:extLst>
+          </p:cNvPr>
+          <p:cNvPicPr>
+            <a:picLocks noChangeAspect="1"/>
+          </p:cNvPicPr>
+          <p:nvPr/>
+        </p:nvPicPr>
+        <p:blipFill>
+          <a:blip r:embed="rId2"/>
+          <a:stretch>
+            <a:fillRect/>
+          </a:stretch>
+        </p:blipFill>
+        <p:spPr>
+          <a:xfrm>
+            <a:off x="2163871" y="1459133"/>
+            <a:ext cx="4816257" cy="2225233"/>
+          </a:xfrm>
+          <a:prstGeom prst="rect">
+            <a:avLst/>
+          </a:prstGeom>
+        </p:spPr>
+      </p:pic>
+      <p:sp>
+        <p:nvSpPr>
+          <p:cNvPr id="4" name="TextBox 3">
+            <a:extLst>
+              <a:ext uri="{FF2B5EF4-FFF2-40B4-BE49-F238E27FC236}">
+                <a16:creationId xmlns:a16="http://schemas.microsoft.com/office/drawing/2014/main" id="{3AA05B7F-D1F0-4B6D-938B-E93B327EF03F}"/>
+              </a:ext>
+            </a:extLst>
+          </p:cNvPr>
+          <p:cNvSpPr txBox="1"/>
+          <p:nvPr/>
+        </p:nvSpPr>
+        <p:spPr>
+          <a:xfrm>
+            <a:off x="0" y="3684366"/>
+            <a:ext cx="9144000" cy="307777"/>
+          </a:xfrm>
+          <a:prstGeom prst="rect">
+            <a:avLst/>
+          </a:prstGeom>
+          <a:noFill/>
+        </p:spPr>
+        <p:txBody>
+          <a:bodyPr wrap="square" rtlCol="0">
+            <a:spAutoFit/>
+          </a:bodyPr>
+          <a:lstStyle/>
+          <a:p>
+            <a:pPr algn="ctr"/>
+            <a:r>
+              <a:rPr lang="en-US" b="1">
+                <a:latin typeface="Calibri" panose="020F0502020204030204" pitchFamily="34" charset="0"/>
+                <a:cs typeface="Calibri" panose="020F0502020204030204" pitchFamily="34" charset="0"/>
+              </a:rPr>
+              <a:t>Xóa Lô hàng sản phẩm</a:t>
+            </a:r>
+          </a:p>
+        </p:txBody>
+      </p:sp>
+    </p:spTree>
+    <p:extLst>
+      <p:ext uri="{BB962C8B-B14F-4D97-AF65-F5344CB8AC3E}">
+        <p14:creationId xmlns:p14="http://schemas.microsoft.com/office/powerpoint/2010/main" val="1009707336"/>
+      </p:ext>
+    </p:extLst>
+  </p:cSld>
+  <p:clrMapOvr>
+    <a:masterClrMapping/>
+  </p:clrMapOvr>
+</p:sld>
+</file>
+
+<file path=ppt/slides/slide3.xml><?xml version="1.0" encoding="utf-8"?>
+<p:sld xmlns:a="http://schemas.openxmlformats.org/drawingml/2006/main" xmlns:r="http://schemas.openxmlformats.org/officeDocument/2006/relationships" xmlns:p="http://schemas.openxmlformats.org/presentationml/2006/main">
+  <p:cSld>
+    <p:spTree>
+      <p:nvGrpSpPr>
+        <p:cNvPr id="1" name="Shape 296"/>
+        <p:cNvGrpSpPr/>
+        <p:nvPr/>
+      </p:nvGrpSpPr>
+      <p:grpSpPr>
+        <a:xfrm>
+          <a:off x="0" y="0"/>
+          <a:ext cx="0" cy="0"/>
+          <a:chOff x="0" y="0"/>
+          <a:chExt cx="0" cy="0"/>
+        </a:xfrm>
+      </p:grpSpPr>
+      <p:sp>
+        <p:nvSpPr>
+          <p:cNvPr id="297" name="Google Shape;297;p42"/>
+          <p:cNvSpPr txBox="1">
+            <a:spLocks noGrp="1"/>
+          </p:cNvSpPr>
+          <p:nvPr>
+            <p:ph type="title"/>
+          </p:nvPr>
+        </p:nvSpPr>
+        <p:spPr>
+          <a:xfrm>
+            <a:off x="0" y="2571750"/>
+            <a:ext cx="9144000" cy="648900"/>
+          </a:xfrm>
+          <a:prstGeom prst="rect">
+            <a:avLst/>
+          </a:prstGeom>
+        </p:spPr>
+        <p:txBody>
+          <a:bodyPr spcFirstLastPara="1" wrap="square" lIns="91425" tIns="91425" rIns="91425" bIns="91425" anchor="ctr" anchorCtr="0">
+            <a:noAutofit/>
+          </a:bodyPr>
+          <a:lstStyle/>
+          <a:p>
+            <a:pPr lvl="0"/>
+            <a:r>
+              <a:rPr lang="en-US" sz="3500" b="1">
+                <a:latin typeface="Calibri" panose="020F0502020204030204" pitchFamily="34" charset="0"/>
+                <a:cs typeface="Calibri" panose="020F0502020204030204" pitchFamily="34" charset="0"/>
+              </a:rPr>
+              <a:t>CHỨC NĂNG CỦA HỆ THỐNG</a:t>
+            </a:r>
+          </a:p>
+        </p:txBody>
+      </p:sp>
+      <p:sp>
+        <p:nvSpPr>
+          <p:cNvPr id="298" name="Google Shape;298;p42"/>
+          <p:cNvSpPr txBox="1">
+            <a:spLocks noGrp="1"/>
+          </p:cNvSpPr>
+          <p:nvPr>
+            <p:ph type="title" idx="2"/>
+          </p:nvPr>
+        </p:nvSpPr>
+        <p:spPr>
+          <a:xfrm>
+            <a:off x="3746550" y="1478925"/>
+            <a:ext cx="1650900" cy="978300"/>
+          </a:xfrm>
+          <a:prstGeom prst="rect">
+            <a:avLst/>
+          </a:prstGeom>
+        </p:spPr>
+        <p:txBody>
+          <a:bodyPr spcFirstLastPara="1" wrap="square" lIns="91425" tIns="91425" rIns="91425" bIns="91425" anchor="ctr" anchorCtr="0">
+            <a:noAutofit/>
+          </a:bodyPr>
+          <a:lstStyle/>
+          <a:p>
+            <a:pPr marL="0" lvl="0" indent="0" algn="ctr" rtl="0">
+              <a:spcBef>
+                <a:spcPts val="0"/>
+              </a:spcBef>
+              <a:spcAft>
+                <a:spcPts val="0"/>
+              </a:spcAft>
+              <a:buNone/>
+            </a:pPr>
+            <a:r>
+              <a:rPr lang="en"/>
+              <a:t>01</a:t>
+            </a:r>
+            <a:endParaRPr/>
+          </a:p>
+        </p:txBody>
+      </p:sp>
+    </p:spTree>
+    <p:extLst>
+      <p:ext uri="{BB962C8B-B14F-4D97-AF65-F5344CB8AC3E}">
+        <p14:creationId xmlns:p14="http://schemas.microsoft.com/office/powerpoint/2010/main" val="1977041687"/>
+      </p:ext>
+    </p:extLst>
+  </p:cSld>
+  <p:clrMapOvr>
+    <a:masterClrMapping/>
+  </p:clrMapOvr>
+</p:sld>
+</file>
+
+<file path=ppt/slides/slide30.xml><?xml version="1.0" encoding="utf-8"?>
+<p:sld xmlns:a="http://schemas.openxmlformats.org/drawingml/2006/main" xmlns:r="http://schemas.openxmlformats.org/officeDocument/2006/relationships" xmlns:p="http://schemas.openxmlformats.org/presentationml/2006/main">
+  <p:cSld>
+    <p:spTree>
+      <p:nvGrpSpPr>
+        <p:cNvPr id="1" name=""/>
+        <p:cNvGrpSpPr/>
+        <p:nvPr/>
+      </p:nvGrpSpPr>
+      <p:grpSpPr>
+        <a:xfrm>
+          <a:off x="0" y="0"/>
+          <a:ext cx="0" cy="0"/>
+          <a:chOff x="0" y="0"/>
+          <a:chExt cx="0" cy="0"/>
+        </a:xfrm>
+      </p:grpSpPr>
+      <p:pic>
+        <p:nvPicPr>
+          <p:cNvPr id="3" name="Picture 2">
+            <a:extLst>
+              <a:ext uri="{FF2B5EF4-FFF2-40B4-BE49-F238E27FC236}">
+                <a16:creationId xmlns:a16="http://schemas.microsoft.com/office/drawing/2014/main" id="{65712AE4-8B1D-40AE-BAE6-1DD8260CDD12}"/>
+              </a:ext>
+            </a:extLst>
+          </p:cNvPr>
+          <p:cNvPicPr>
+            <a:picLocks noChangeAspect="1"/>
+          </p:cNvPicPr>
+          <p:nvPr/>
+        </p:nvPicPr>
+        <p:blipFill>
+          <a:blip r:embed="rId2"/>
+          <a:stretch>
+            <a:fillRect/>
+          </a:stretch>
+        </p:blipFill>
+        <p:spPr>
+          <a:xfrm>
+            <a:off x="2198164" y="2064976"/>
+            <a:ext cx="4747671" cy="1013548"/>
+          </a:xfrm>
+          <a:prstGeom prst="rect">
+            <a:avLst/>
+          </a:prstGeom>
+        </p:spPr>
+      </p:pic>
+      <p:sp>
+        <p:nvSpPr>
+          <p:cNvPr id="4" name="TextBox 3">
+            <a:extLst>
+              <a:ext uri="{FF2B5EF4-FFF2-40B4-BE49-F238E27FC236}">
+                <a16:creationId xmlns:a16="http://schemas.microsoft.com/office/drawing/2014/main" id="{3BC817DA-B6B1-4028-9ABA-E51BACA2BABC}"/>
+              </a:ext>
+            </a:extLst>
+          </p:cNvPr>
+          <p:cNvSpPr txBox="1"/>
+          <p:nvPr/>
+        </p:nvSpPr>
+        <p:spPr>
+          <a:xfrm>
+            <a:off x="-1" y="3078524"/>
+            <a:ext cx="9144000" cy="307777"/>
+          </a:xfrm>
+          <a:prstGeom prst="rect">
+            <a:avLst/>
+          </a:prstGeom>
+          <a:noFill/>
+        </p:spPr>
+        <p:txBody>
+          <a:bodyPr wrap="square" rtlCol="0">
+            <a:spAutoFit/>
+          </a:bodyPr>
+          <a:lstStyle/>
+          <a:p>
+            <a:pPr algn="ctr"/>
+            <a:r>
+              <a:rPr lang="en-US" b="1">
+                <a:latin typeface="Calibri" panose="020F0502020204030204" pitchFamily="34" charset="0"/>
+                <a:cs typeface="Calibri" panose="020F0502020204030204" pitchFamily="34" charset="0"/>
+              </a:rPr>
+              <a:t>Hiển thị danh sách lô hàng sản phẩm</a:t>
+            </a:r>
+          </a:p>
+        </p:txBody>
+      </p:sp>
+    </p:spTree>
+    <p:extLst>
+      <p:ext uri="{BB962C8B-B14F-4D97-AF65-F5344CB8AC3E}">
+        <p14:creationId xmlns:p14="http://schemas.microsoft.com/office/powerpoint/2010/main" val="1263488000"/>
+      </p:ext>
+    </p:extLst>
+  </p:cSld>
+  <p:clrMapOvr>
+    <a:masterClrMapping/>
+  </p:clrMapOvr>
+</p:sld>
+</file>
+
+<file path=ppt/slides/slide31.xml><?xml version="1.0" encoding="utf-8"?>
 <p:sld xmlns:a="http://schemas.openxmlformats.org/drawingml/2006/main" xmlns:r="http://schemas.openxmlformats.org/officeDocument/2006/relationships" xmlns:p="http://schemas.openxmlformats.org/presentationml/2006/main">
   <p:cSld>
     <p:spTree>
@@ -8984,351 +11232,6 @@
 </p:sld>
 </file>
 
-<file path=ppt/slides/slide2.xml><?xml version="1.0" encoding="utf-8"?>
-<p:sld xmlns:a="http://schemas.openxmlformats.org/drawingml/2006/main" xmlns:r="http://schemas.openxmlformats.org/officeDocument/2006/relationships" xmlns:p="http://schemas.openxmlformats.org/presentationml/2006/main">
-  <p:cSld>
-    <p:spTree>
-      <p:nvGrpSpPr>
-        <p:cNvPr id="1" name="Shape 254"/>
-        <p:cNvGrpSpPr/>
-        <p:nvPr/>
-      </p:nvGrpSpPr>
-      <p:grpSpPr>
-        <a:xfrm>
-          <a:off x="0" y="0"/>
-          <a:ext cx="0" cy="0"/>
-          <a:chOff x="0" y="0"/>
-          <a:chExt cx="0" cy="0"/>
-        </a:xfrm>
-      </p:grpSpPr>
-      <p:sp>
-        <p:nvSpPr>
-          <p:cNvPr id="255" name="Google Shape;255;p37"/>
-          <p:cNvSpPr txBox="1">
-            <a:spLocks noGrp="1"/>
-          </p:cNvSpPr>
-          <p:nvPr>
-            <p:ph type="title"/>
-          </p:nvPr>
-        </p:nvSpPr>
-        <p:spPr>
-          <a:xfrm>
-            <a:off x="713225" y="445025"/>
-            <a:ext cx="4711500" cy="572700"/>
-          </a:xfrm>
-          <a:prstGeom prst="rect">
-            <a:avLst/>
-          </a:prstGeom>
-        </p:spPr>
-        <p:txBody>
-          <a:bodyPr spcFirstLastPara="1" wrap="square" lIns="91425" tIns="91425" rIns="91425" bIns="91425" anchor="t" anchorCtr="0">
-            <a:noAutofit/>
-          </a:bodyPr>
-          <a:lstStyle/>
-          <a:p>
-            <a:pPr marL="0" lvl="0" indent="0" algn="l" rtl="0">
-              <a:spcBef>
-                <a:spcPts val="0"/>
-              </a:spcBef>
-              <a:spcAft>
-                <a:spcPts val="0"/>
-              </a:spcAft>
-              <a:buNone/>
-            </a:pPr>
-            <a:r>
-              <a:rPr lang="en-US" b="1">
-                <a:latin typeface="Calibri" panose="020F0502020204030204" pitchFamily="34" charset="0"/>
-                <a:ea typeface="Cambria" panose="02040503050406030204" pitchFamily="18" charset="0"/>
-                <a:cs typeface="Calibri" panose="020F0502020204030204" pitchFamily="34" charset="0"/>
-              </a:rPr>
-              <a:t>Nội dung:</a:t>
-            </a:r>
-            <a:endParaRPr b="1">
-              <a:latin typeface="Calibri" panose="020F0502020204030204" pitchFamily="34" charset="0"/>
-              <a:ea typeface="Cambria" panose="02040503050406030204" pitchFamily="18" charset="0"/>
-              <a:cs typeface="Calibri" panose="020F0502020204030204" pitchFamily="34" charset="0"/>
-            </a:endParaRPr>
-          </a:p>
-        </p:txBody>
-      </p:sp>
-      <p:sp>
-        <p:nvSpPr>
-          <p:cNvPr id="256" name="Google Shape;256;p37"/>
-          <p:cNvSpPr txBox="1">
-            <a:spLocks noGrp="1"/>
-          </p:cNvSpPr>
-          <p:nvPr>
-            <p:ph type="body" idx="1"/>
-          </p:nvPr>
-        </p:nvSpPr>
-        <p:spPr>
-          <a:xfrm>
-            <a:off x="713250" y="1272925"/>
-            <a:ext cx="7717500" cy="3295800"/>
-          </a:xfrm>
-          <a:prstGeom prst="rect">
-            <a:avLst/>
-          </a:prstGeom>
-        </p:spPr>
-        <p:txBody>
-          <a:bodyPr spcFirstLastPara="1" wrap="square" lIns="91425" tIns="91425" rIns="91425" bIns="91425" anchor="t" anchorCtr="0">
-            <a:noAutofit/>
-          </a:bodyPr>
-          <a:lstStyle/>
-          <a:p>
-            <a:pPr marL="457200" lvl="0" indent="-298450" algn="l" rtl="0">
-              <a:lnSpc>
-                <a:spcPct val="200000"/>
-              </a:lnSpc>
-              <a:spcBef>
-                <a:spcPts val="1200"/>
-              </a:spcBef>
-              <a:spcAft>
-                <a:spcPts val="0"/>
-              </a:spcAft>
-              <a:buSzPts val="1100"/>
-              <a:buFont typeface="Montserrat Medium"/>
-              <a:buChar char="●"/>
-            </a:pPr>
-            <a:r>
-              <a:rPr lang="en-US" sz="2000">
-                <a:solidFill>
-                  <a:schemeClr val="dk1"/>
-                </a:solidFill>
-              </a:rPr>
-              <a:t>Chức năng của hệ thống.</a:t>
-            </a:r>
-            <a:endParaRPr sz="2000">
-              <a:solidFill>
-                <a:schemeClr val="dk1"/>
-              </a:solidFill>
-            </a:endParaRPr>
-          </a:p>
-          <a:p>
-            <a:pPr marL="457200" lvl="0" indent="-298450" algn="l" rtl="0">
-              <a:lnSpc>
-                <a:spcPct val="200000"/>
-              </a:lnSpc>
-              <a:spcBef>
-                <a:spcPts val="0"/>
-              </a:spcBef>
-              <a:spcAft>
-                <a:spcPts val="0"/>
-              </a:spcAft>
-              <a:buSzPts val="1100"/>
-              <a:buChar char="●"/>
-            </a:pPr>
-            <a:r>
-              <a:rPr lang="en-US" sz="2000">
-                <a:solidFill>
-                  <a:schemeClr val="dk1"/>
-                </a:solidFill>
-              </a:rPr>
-              <a:t>Cấu trúc c</a:t>
-            </a:r>
-            <a:r>
-              <a:rPr lang="vi-VN" sz="2000">
-                <a:solidFill>
-                  <a:schemeClr val="dk1"/>
-                </a:solidFill>
-              </a:rPr>
-              <a:t>ơ</a:t>
-            </a:r>
-            <a:r>
-              <a:rPr lang="en-US" sz="2000">
-                <a:solidFill>
-                  <a:schemeClr val="dk1"/>
-                </a:solidFill>
-              </a:rPr>
-              <a:t> sở dữ liệu.</a:t>
-            </a:r>
-            <a:endParaRPr sz="2000">
-              <a:solidFill>
-                <a:schemeClr val="dk1"/>
-              </a:solidFill>
-            </a:endParaRPr>
-          </a:p>
-          <a:p>
-            <a:pPr marL="457200" lvl="0" indent="-298450" algn="l" rtl="0">
-              <a:lnSpc>
-                <a:spcPct val="200000"/>
-              </a:lnSpc>
-              <a:spcBef>
-                <a:spcPts val="0"/>
-              </a:spcBef>
-              <a:spcAft>
-                <a:spcPts val="0"/>
-              </a:spcAft>
-              <a:buSzPts val="1100"/>
-              <a:buFont typeface="Montserrat Medium"/>
-              <a:buChar char="●"/>
-            </a:pPr>
-            <a:r>
-              <a:rPr lang="en-US" sz="2000">
-                <a:solidFill>
-                  <a:schemeClr val="dk1"/>
-                </a:solidFill>
-              </a:rPr>
-              <a:t>Thủ tục và hàm.</a:t>
-            </a:r>
-            <a:endParaRPr sz="2000">
-              <a:solidFill>
-                <a:schemeClr val="dk1"/>
-              </a:solidFill>
-            </a:endParaRPr>
-          </a:p>
-          <a:p>
-            <a:pPr marL="457200" lvl="0" indent="-298450" algn="l" rtl="0">
-              <a:lnSpc>
-                <a:spcPct val="200000"/>
-              </a:lnSpc>
-              <a:spcBef>
-                <a:spcPts val="0"/>
-              </a:spcBef>
-              <a:spcAft>
-                <a:spcPts val="0"/>
-              </a:spcAft>
-              <a:buSzPts val="1100"/>
-              <a:buFont typeface="Montserrat Medium"/>
-              <a:buChar char="●"/>
-            </a:pPr>
-            <a:r>
-              <a:rPr lang="en-US" sz="2000">
-                <a:solidFill>
-                  <a:schemeClr val="dk1"/>
-                </a:solidFill>
-              </a:rPr>
-              <a:t>Hình ảnh demo hệ thống.</a:t>
-            </a:r>
-            <a:endParaRPr sz="2000">
-              <a:solidFill>
-                <a:schemeClr val="dk1"/>
-              </a:solidFill>
-            </a:endParaRPr>
-          </a:p>
-        </p:txBody>
-      </p:sp>
-    </p:spTree>
-    <p:extLst>
-      <p:ext uri="{BB962C8B-B14F-4D97-AF65-F5344CB8AC3E}">
-        <p14:creationId xmlns:p14="http://schemas.microsoft.com/office/powerpoint/2010/main" val="2597129467"/>
-      </p:ext>
-    </p:extLst>
-  </p:cSld>
-  <p:clrMapOvr>
-    <a:masterClrMapping/>
-  </p:clrMapOvr>
-</p:sld>
-</file>
-
-<file path=ppt/slides/slide3.xml><?xml version="1.0" encoding="utf-8"?>
-<p:sld xmlns:a="http://schemas.openxmlformats.org/drawingml/2006/main" xmlns:r="http://schemas.openxmlformats.org/officeDocument/2006/relationships" xmlns:p="http://schemas.openxmlformats.org/presentationml/2006/main">
-  <p:cSld>
-    <p:spTree>
-      <p:nvGrpSpPr>
-        <p:cNvPr id="1" name="Shape 296"/>
-        <p:cNvGrpSpPr/>
-        <p:nvPr/>
-      </p:nvGrpSpPr>
-      <p:grpSpPr>
-        <a:xfrm>
-          <a:off x="0" y="0"/>
-          <a:ext cx="0" cy="0"/>
-          <a:chOff x="0" y="0"/>
-          <a:chExt cx="0" cy="0"/>
-        </a:xfrm>
-      </p:grpSpPr>
-      <p:sp>
-        <p:nvSpPr>
-          <p:cNvPr id="297" name="Google Shape;297;p42"/>
-          <p:cNvSpPr txBox="1">
-            <a:spLocks noGrp="1"/>
-          </p:cNvSpPr>
-          <p:nvPr>
-            <p:ph type="title"/>
-          </p:nvPr>
-        </p:nvSpPr>
-        <p:spPr>
-          <a:xfrm>
-            <a:off x="0" y="2571750"/>
-            <a:ext cx="9144000" cy="648900"/>
-          </a:xfrm>
-          <a:prstGeom prst="rect">
-            <a:avLst/>
-          </a:prstGeom>
-        </p:spPr>
-        <p:txBody>
-          <a:bodyPr spcFirstLastPara="1" wrap="square" lIns="91425" tIns="91425" rIns="91425" bIns="91425" anchor="ctr" anchorCtr="0">
-            <a:noAutofit/>
-          </a:bodyPr>
-          <a:lstStyle/>
-          <a:p>
-            <a:pPr lvl="0"/>
-            <a:r>
-              <a:rPr lang="en-US" sz="3500" b="1">
-                <a:latin typeface="Calibri" panose="020F0502020204030204" pitchFamily="34" charset="0"/>
-                <a:cs typeface="Calibri" panose="020F0502020204030204" pitchFamily="34" charset="0"/>
-              </a:rPr>
-              <a:t>CHỨC NĂNG CỦA HỆ THỐNG</a:t>
-            </a:r>
-          </a:p>
-        </p:txBody>
-      </p:sp>
-      <p:sp>
-        <p:nvSpPr>
-          <p:cNvPr id="298" name="Google Shape;298;p42"/>
-          <p:cNvSpPr txBox="1">
-            <a:spLocks noGrp="1"/>
-          </p:cNvSpPr>
-          <p:nvPr>
-            <p:ph type="title" idx="2"/>
-          </p:nvPr>
-        </p:nvSpPr>
-        <p:spPr>
-          <a:xfrm>
-            <a:off x="3746550" y="1478925"/>
-            <a:ext cx="1650900" cy="978300"/>
-          </a:xfrm>
-          <a:prstGeom prst="rect">
-            <a:avLst/>
-          </a:prstGeom>
-        </p:spPr>
-        <p:txBody>
-          <a:bodyPr spcFirstLastPara="1" wrap="square" lIns="91425" tIns="91425" rIns="91425" bIns="91425" anchor="ctr" anchorCtr="0">
-            <a:noAutofit/>
-          </a:bodyPr>
-          <a:lstStyle/>
-          <a:p>
-            <a:pPr marL="0" lvl="0" indent="0" algn="ctr" rtl="0">
-              <a:spcBef>
-                <a:spcPts val="0"/>
-              </a:spcBef>
-              <a:spcAft>
-                <a:spcPts val="0"/>
-              </a:spcAft>
-              <a:buNone/>
-            </a:pPr>
-            <a:r>
-              <a:rPr lang="en"/>
-              <a:t>01</a:t>
-            </a:r>
-            <a:endParaRPr/>
-          </a:p>
-        </p:txBody>
-      </p:sp>
-    </p:spTree>
-    <p:extLst>
-      <p:ext uri="{BB962C8B-B14F-4D97-AF65-F5344CB8AC3E}">
-        <p14:creationId xmlns:p14="http://schemas.microsoft.com/office/powerpoint/2010/main" val="1977041687"/>
-      </p:ext>
-    </p:extLst>
-  </p:cSld>
-  <p:clrMapOvr>
-    <a:masterClrMapping/>
-  </p:clrMapOvr>
-</p:sld>
-</file>
-
 <file path=ppt/slides/slide4.xml><?xml version="1.0" encoding="utf-8"?>
 <p:sld xmlns:a="http://schemas.openxmlformats.org/drawingml/2006/main" xmlns:r="http://schemas.openxmlformats.org/officeDocument/2006/relationships" xmlns:p="http://schemas.openxmlformats.org/presentationml/2006/main">
   <p:cSld>
@@ -10479,14 +12382,14 @@
           <p:nvPr>
             <p:extLst>
               <p:ext uri="{D42A27DB-BD31-4B8C-83A1-F6EECF244321}">
-                <p14:modId xmlns:p14="http://schemas.microsoft.com/office/powerpoint/2010/main" val="2845763880"/>
+                <p14:modId xmlns:p14="http://schemas.microsoft.com/office/powerpoint/2010/main" val="2066858521"/>
               </p:ext>
             </p:extLst>
           </p:nvPr>
         </p:nvGraphicFramePr>
         <p:xfrm>
-          <a:off x="1489252" y="3269337"/>
-          <a:ext cx="1915317" cy="951556"/>
+          <a:off x="1291474" y="3269337"/>
+          <a:ext cx="2195137" cy="951556"/>
         </p:xfrm>
         <a:graphic>
           <a:graphicData uri="http://schemas.openxmlformats.org/drawingml/2006/table">
@@ -10495,7 +12398,7 @@
                 <a:tableStyleId>{58F8169E-D115-4445-A438-463189A77B9B}</a:tableStyleId>
               </a:tblPr>
               <a:tblGrid>
-                <a:gridCol w="1915317">
+                <a:gridCol w="2195137">
                   <a:extLst>
                     <a:ext uri="{9D8B030D-6E8A-4147-A177-3AD203B41FA5}">
                       <a16:colId xmlns:a16="http://schemas.microsoft.com/office/drawing/2014/main" val="1437170778"/>
@@ -10533,7 +12436,7 @@
                     <a:bodyPr/>
                     <a:lstStyle/>
                     <a:p>
-                      <a:pPr marL="171450" marR="0" lvl="0" indent="-171450" algn="l" defTabSz="914400" rtl="0" eaLnBrk="1" fontAlgn="auto" latinLnBrk="0" hangingPunct="1">
+                      <a:pPr marL="268288" marR="0" lvl="0" indent="-88900" algn="l" defTabSz="914400" rtl="0" eaLnBrk="1" fontAlgn="auto" latinLnBrk="0" hangingPunct="1">
                         <a:lnSpc>
                           <a:spcPct val="100000"/>
                         </a:lnSpc>
@@ -10553,7 +12456,7 @@
                         <a:defRPr/>
                       </a:pPr>
                       <a:r>
-                        <a:rPr lang="en-US" sz="1000" b="1" u="sng">
+                        <a:rPr lang="en-US" sz="1000" b="0" u="none">
                           <a:latin typeface="Calibri" panose="020F0502020204030204" pitchFamily="34" charset="0"/>
                           <a:cs typeface="Calibri" panose="020F0502020204030204" pitchFamily="34" charset="0"/>
                         </a:rPr>
@@ -10571,7 +12474,21 @@
                           <a:latin typeface="Calibri" panose="020F0502020204030204" pitchFamily="34" charset="0"/>
                           <a:cs typeface="Calibri" panose="020F0502020204030204" pitchFamily="34" charset="0"/>
                         </a:rPr>
-                        <a:t>int(11)</a:t>
+                        <a:t>int(1</a:t>
+                      </a:r>
+                      <a:r>
+                        <a:rPr lang="vi-VN" sz="1000" b="0" u="none">
+                          <a:latin typeface="Calibri" panose="020F0502020204030204" pitchFamily="34" charset="0"/>
+                          <a:cs typeface="Calibri" panose="020F0502020204030204" pitchFamily="34" charset="0"/>
+                        </a:rPr>
+                        <a:t>0</a:t>
+                      </a:r>
+                      <a:r>
+                        <a:rPr lang="en-US" sz="1000" b="0" u="none">
+                          <a:latin typeface="Calibri" panose="020F0502020204030204" pitchFamily="34" charset="0"/>
+                          <a:cs typeface="Calibri" panose="020F0502020204030204" pitchFamily="34" charset="0"/>
+                        </a:rPr>
+                        <a:t>)</a:t>
                       </a:r>
                       <a:endParaRPr lang="en-US" sz="1000" u="sng">
                         <a:latin typeface="Calibri" panose="020F0502020204030204" pitchFamily="34" charset="0"/>
@@ -10579,7 +12496,7 @@
                       </a:endParaRPr>
                     </a:p>
                     <a:p>
-                      <a:pPr marL="171450" indent="-171450" algn="l">
+                      <a:pPr marL="268288" indent="-88900" algn="l">
                         <a:buFontTx/>
                         <a:buChar char="-"/>
                       </a:pPr>
@@ -10592,7 +12509,7 @@
                       </a:r>
                     </a:p>
                     <a:p>
-                      <a:pPr marL="171450" indent="-171450" algn="l">
+                      <a:pPr marL="268288" indent="-88900" algn="l">
                         <a:buFontTx/>
                         <a:buChar char="-"/>
                       </a:pPr>
@@ -10605,7 +12522,7 @@
                       </a:r>
                     </a:p>
                     <a:p>
-                      <a:pPr marL="171450" indent="-171450" algn="l">
+                      <a:pPr marL="268288" indent="-88900" algn="l">
                         <a:buFontTx/>
                         <a:buChar char="-"/>
                       </a:pPr>
@@ -10645,14 +12562,14 @@
           <p:nvPr>
             <p:extLst>
               <p:ext uri="{D42A27DB-BD31-4B8C-83A1-F6EECF244321}">
-                <p14:modId xmlns:p14="http://schemas.microsoft.com/office/powerpoint/2010/main" val="1643694999"/>
+                <p14:modId xmlns:p14="http://schemas.microsoft.com/office/powerpoint/2010/main" val="3968685686"/>
               </p:ext>
             </p:extLst>
           </p:nvPr>
         </p:nvGraphicFramePr>
         <p:xfrm>
-          <a:off x="1395910" y="1300589"/>
-          <a:ext cx="2102000" cy="799156"/>
+          <a:off x="1291474" y="1300589"/>
+          <a:ext cx="2195141" cy="799156"/>
         </p:xfrm>
         <a:graphic>
           <a:graphicData uri="http://schemas.openxmlformats.org/drawingml/2006/table">
@@ -10661,7 +12578,7 @@
                 <a:tableStyleId>{58F8169E-D115-4445-A438-463189A77B9B}</a:tableStyleId>
               </a:tblPr>
               <a:tblGrid>
-                <a:gridCol w="2102000">
+                <a:gridCol w="2195141">
                   <a:extLst>
                     <a:ext uri="{9D8B030D-6E8A-4147-A177-3AD203B41FA5}">
                       <a16:colId xmlns:a16="http://schemas.microsoft.com/office/drawing/2014/main" val="1437170778"/>
@@ -10699,7 +12616,7 @@
                     <a:bodyPr/>
                     <a:lstStyle/>
                     <a:p>
-                      <a:pPr marL="171450" marR="0" lvl="0" indent="-171450" algn="l" defTabSz="914400" rtl="0" eaLnBrk="1" fontAlgn="auto" latinLnBrk="0" hangingPunct="1">
+                      <a:pPr marL="268288" marR="0" lvl="0" indent="-82550" algn="l" defTabSz="914400" rtl="0" eaLnBrk="1" fontAlgn="auto" latinLnBrk="0" hangingPunct="1">
                         <a:lnSpc>
                           <a:spcPct val="100000"/>
                         </a:lnSpc>
@@ -10719,7 +12636,7 @@
                         <a:defRPr/>
                       </a:pPr>
                       <a:r>
-                        <a:rPr lang="en-US" sz="1000" b="1" u="sng">
+                        <a:rPr lang="en-US" sz="1000" b="0" u="none">
                           <a:latin typeface="Calibri" panose="020F0502020204030204" pitchFamily="34" charset="0"/>
                           <a:cs typeface="Calibri" panose="020F0502020204030204" pitchFamily="34" charset="0"/>
                         </a:rPr>
@@ -10745,7 +12662,7 @@
                       </a:endParaRPr>
                     </a:p>
                     <a:p>
-                      <a:pPr marL="171450" marR="0" lvl="0" indent="-171450" algn="l" defTabSz="914400" rtl="0" eaLnBrk="1" fontAlgn="auto" latinLnBrk="0" hangingPunct="1">
+                      <a:pPr marL="268288" marR="0" lvl="0" indent="-82550" algn="l" defTabSz="914400" rtl="0" eaLnBrk="1" fontAlgn="auto" latinLnBrk="0" hangingPunct="1">
                         <a:lnSpc>
                           <a:spcPct val="100000"/>
                         </a:lnSpc>
@@ -10773,7 +12690,7 @@
                       </a:r>
                     </a:p>
                     <a:p>
-                      <a:pPr marL="171450" indent="-171450" algn="l">
+                      <a:pPr marL="268288" indent="-82550" algn="l">
                         <a:buFontTx/>
                         <a:buChar char="-"/>
                       </a:pPr>
@@ -10813,7 +12730,7 @@
           <p:nvPr>
             <p:extLst>
               <p:ext uri="{D42A27DB-BD31-4B8C-83A1-F6EECF244321}">
-                <p14:modId xmlns:p14="http://schemas.microsoft.com/office/powerpoint/2010/main" val="671738466"/>
+                <p14:modId xmlns:p14="http://schemas.microsoft.com/office/powerpoint/2010/main" val="2564970787"/>
               </p:ext>
             </p:extLst>
           </p:nvPr>
@@ -10867,27 +12784,20 @@
                     <a:bodyPr/>
                     <a:lstStyle/>
                     <a:p>
-                      <a:pPr marL="171450" indent="-171450" algn="l">
+                      <a:pPr marL="268288" indent="-90488" algn="l">
                         <a:buFontTx/>
                         <a:buChar char="-"/>
                       </a:pPr>
-                      <a:r>
-                        <a:rPr lang="en-US" sz="1000" b="1" u="sng">
-                          <a:latin typeface="Calibri" panose="020F0502020204030204" pitchFamily="34" charset="0"/>
-                          <a:cs typeface="Calibri" panose="020F0502020204030204" pitchFamily="34" charset="0"/>
-                        </a:rPr>
-                        <a:t>ma_lohang</a:t>
-                      </a:r>
                       <a:r>
                         <a:rPr lang="en-US" sz="1000" b="0" u="none">
                           <a:latin typeface="Calibri" panose="020F0502020204030204" pitchFamily="34" charset="0"/>
                           <a:cs typeface="Calibri" panose="020F0502020204030204" pitchFamily="34" charset="0"/>
                         </a:rPr>
-                        <a:t>:  int(10)</a:t>
+                        <a:t>ma_lohang:  int(10)</a:t>
                       </a:r>
                     </a:p>
                     <a:p>
-                      <a:pPr marL="171450" indent="-171450" algn="l">
+                      <a:pPr marL="268288" indent="-90488" algn="l">
                         <a:buFontTx/>
                         <a:buChar char="-"/>
                       </a:pPr>
@@ -10927,7 +12837,7 @@
           <p:nvPr>
             <p:extLst>
               <p:ext uri="{D42A27DB-BD31-4B8C-83A1-F6EECF244321}">
-                <p14:modId xmlns:p14="http://schemas.microsoft.com/office/powerpoint/2010/main" val="294609054"/>
+                <p14:modId xmlns:p14="http://schemas.microsoft.com/office/powerpoint/2010/main" val="2382554997"/>
               </p:ext>
             </p:extLst>
           </p:nvPr>
@@ -10981,7 +12891,7 @@
                     <a:bodyPr/>
                     <a:lstStyle/>
                     <a:p>
-                      <a:pPr marL="171450" indent="-171450" algn="l">
+                      <a:pPr marL="88900" indent="-88900" algn="l">
                         <a:buFontTx/>
                         <a:buChar char="-"/>
                       </a:pPr>
@@ -10994,7 +12904,7 @@
                       </a:r>
                     </a:p>
                     <a:p>
-                      <a:pPr marL="171450" indent="-171450" algn="l">
+                      <a:pPr marL="88900" indent="-88900" algn="l">
                         <a:buFontTx/>
                         <a:buChar char="-"/>
                       </a:pPr>
@@ -11037,8 +12947,8 @@
         </p:nvCxnSpPr>
         <p:spPr>
           <a:xfrm flipV="1">
-            <a:off x="2446910" y="2099745"/>
-            <a:ext cx="0" cy="1169592"/>
+            <a:off x="2389042" y="2099745"/>
+            <a:ext cx="2" cy="1169592"/>
           </a:xfrm>
           <a:prstGeom prst="line">
             <a:avLst/>
@@ -11161,8 +13071,8 @@
         </p:nvCxnSpPr>
         <p:spPr>
           <a:xfrm>
-            <a:off x="3404569" y="3745115"/>
-            <a:ext cx="2743464" cy="0"/>
+            <a:off x="3486611" y="3745115"/>
+            <a:ext cx="2661422" cy="0"/>
           </a:xfrm>
           <a:prstGeom prst="line">
             <a:avLst/>
@@ -11198,7 +13108,7 @@
         </p:nvSpPr>
         <p:spPr>
           <a:xfrm>
-            <a:off x="3386240" y="3562083"/>
+            <a:off x="3419922" y="3560388"/>
             <a:ext cx="378630" cy="246221"/>
           </a:xfrm>
           <a:prstGeom prst="rect">
@@ -11347,6 +13257,96 @@
           </a:p>
         </p:txBody>
       </p:sp>
+      <p:pic>
+        <p:nvPicPr>
+          <p:cNvPr id="4" name="Picture 3">
+            <a:extLst>
+              <a:ext uri="{FF2B5EF4-FFF2-40B4-BE49-F238E27FC236}">
+                <a16:creationId xmlns:a16="http://schemas.microsoft.com/office/drawing/2014/main" id="{6BA9B0ED-4C3E-4314-9572-98189E2E5072}"/>
+              </a:ext>
+            </a:extLst>
+          </p:cNvPr>
+          <p:cNvPicPr>
+            <a:picLocks noChangeAspect="1"/>
+          </p:cNvPicPr>
+          <p:nvPr/>
+        </p:nvPicPr>
+        <p:blipFill>
+          <a:blip r:embed="rId3"/>
+          <a:stretch>
+            <a:fillRect/>
+          </a:stretch>
+        </p:blipFill>
+        <p:spPr>
+          <a:xfrm>
+            <a:off x="1367896" y="3581564"/>
+            <a:ext cx="133815" cy="133815"/>
+          </a:xfrm>
+          <a:prstGeom prst="rect">
+            <a:avLst/>
+          </a:prstGeom>
+        </p:spPr>
+      </p:pic>
+      <p:pic>
+        <p:nvPicPr>
+          <p:cNvPr id="27" name="Picture 26">
+            <a:extLst>
+              <a:ext uri="{FF2B5EF4-FFF2-40B4-BE49-F238E27FC236}">
+                <a16:creationId xmlns:a16="http://schemas.microsoft.com/office/drawing/2014/main" id="{AC95CEC6-7339-47BB-A767-B79D22E15931}"/>
+              </a:ext>
+            </a:extLst>
+          </p:cNvPr>
+          <p:cNvPicPr>
+            <a:picLocks noChangeAspect="1"/>
+          </p:cNvPicPr>
+          <p:nvPr/>
+        </p:nvPicPr>
+        <p:blipFill>
+          <a:blip r:embed="rId3"/>
+          <a:stretch>
+            <a:fillRect/>
+          </a:stretch>
+        </p:blipFill>
+        <p:spPr>
+          <a:xfrm>
+            <a:off x="1367896" y="1604939"/>
+            <a:ext cx="133815" cy="133815"/>
+          </a:xfrm>
+          <a:prstGeom prst="rect">
+            <a:avLst/>
+          </a:prstGeom>
+        </p:spPr>
+      </p:pic>
+      <p:pic>
+        <p:nvPicPr>
+          <p:cNvPr id="31" name="Picture 30">
+            <a:extLst>
+              <a:ext uri="{FF2B5EF4-FFF2-40B4-BE49-F238E27FC236}">
+                <a16:creationId xmlns:a16="http://schemas.microsoft.com/office/drawing/2014/main" id="{C4F94A96-5F1B-4EC4-87EF-3CE35B46B561}"/>
+              </a:ext>
+            </a:extLst>
+          </p:cNvPr>
+          <p:cNvPicPr>
+            <a:picLocks noChangeAspect="1"/>
+          </p:cNvPicPr>
+          <p:nvPr/>
+        </p:nvPicPr>
+        <p:blipFill>
+          <a:blip r:embed="rId3"/>
+          <a:stretch>
+            <a:fillRect/>
+          </a:stretch>
+        </p:blipFill>
+        <p:spPr>
+          <a:xfrm>
+            <a:off x="6214722" y="3737676"/>
+            <a:ext cx="133815" cy="133815"/>
+          </a:xfrm>
+          <a:prstGeom prst="rect">
+            <a:avLst/>
+          </a:prstGeom>
+        </p:spPr>
+      </p:pic>
     </p:spTree>
     <p:extLst>
       <p:ext uri="{BB962C8B-B14F-4D97-AF65-F5344CB8AC3E}">

--- a/Báo cáo QTDLiệu.pptx
+++ b/Báo cáo QTDLiệu.pptx
@@ -5,7 +5,7 @@
     <p:sldMasterId id="2147483681" r:id="rId1"/>
   </p:sldMasterIdLst>
   <p:notesMasterIdLst>
-    <p:notesMasterId r:id="rId33"/>
+    <p:notesMasterId r:id="rId34"/>
   </p:notesMasterIdLst>
   <p:sldIdLst>
     <p:sldId id="311" r:id="rId2"/>
@@ -38,63 +38,64 @@
     <p:sldId id="339" r:id="rId29"/>
     <p:sldId id="340" r:id="rId30"/>
     <p:sldId id="341" r:id="rId31"/>
-    <p:sldId id="290" r:id="rId32"/>
+    <p:sldId id="342" r:id="rId32"/>
+    <p:sldId id="290" r:id="rId33"/>
   </p:sldIdLst>
   <p:sldSz cx="9144000" cy="5143500" type="screen16x9"/>
   <p:notesSz cx="6858000" cy="9144000"/>
   <p:embeddedFontLst>
     <p:embeddedFont>
-      <p:font typeface="Calibri" panose="020F0502020204030204" pitchFamily="34" charset="0"/>
-      <p:regular r:id="rId34"/>
-      <p:bold r:id="rId35"/>
-      <p:italic r:id="rId36"/>
-      <p:boldItalic r:id="rId37"/>
+      <p:font typeface="Lato" panose="020B0604020202020204" charset="0"/>
+      <p:regular r:id="rId35"/>
+      <p:bold r:id="rId36"/>
+      <p:italic r:id="rId37"/>
+      <p:boldItalic r:id="rId38"/>
+    </p:embeddedFont>
+    <p:embeddedFont>
+      <p:font typeface="Merriweather Light" panose="020B0604020202020204" charset="0"/>
+      <p:regular r:id="rId39"/>
+      <p:bold r:id="rId40"/>
+      <p:italic r:id="rId41"/>
+      <p:boldItalic r:id="rId42"/>
+    </p:embeddedFont>
+    <p:embeddedFont>
+      <p:font typeface="Montserrat" panose="020B0604020202020204" charset="0"/>
+      <p:regular r:id="rId43"/>
+      <p:bold r:id="rId44"/>
+      <p:italic r:id="rId45"/>
+      <p:boldItalic r:id="rId46"/>
+    </p:embeddedFont>
+    <p:embeddedFont>
+      <p:font typeface="Open Sans" panose="020B0604020202020204" charset="0"/>
+      <p:regular r:id="rId47"/>
+      <p:bold r:id="rId48"/>
+      <p:italic r:id="rId49"/>
+      <p:boldItalic r:id="rId50"/>
     </p:embeddedFont>
     <p:embeddedFont>
       <p:font typeface="Crimson Text" panose="020B0604020202020204" charset="0"/>
-      <p:regular r:id="rId38"/>
-      <p:bold r:id="rId39"/>
-      <p:italic r:id="rId40"/>
-      <p:boldItalic r:id="rId41"/>
+      <p:regular r:id="rId51"/>
+      <p:bold r:id="rId52"/>
+      <p:italic r:id="rId53"/>
+      <p:boldItalic r:id="rId54"/>
     </p:embeddedFont>
     <p:embeddedFont>
-      <p:font typeface="Lato" panose="020B0604020202020204" charset="0"/>
-      <p:regular r:id="rId42"/>
-      <p:bold r:id="rId43"/>
-      <p:italic r:id="rId44"/>
-      <p:boldItalic r:id="rId45"/>
-    </p:embeddedFont>
-    <p:embeddedFont>
-      <p:font typeface="Montserrat" panose="020B0604020202020204" charset="0"/>
-      <p:regular r:id="rId46"/>
-      <p:bold r:id="rId47"/>
-      <p:italic r:id="rId48"/>
-      <p:boldItalic r:id="rId49"/>
-    </p:embeddedFont>
-    <p:embeddedFont>
-      <p:font typeface="Open Sans" panose="020B0604020202020204" charset="0"/>
-      <p:regular r:id="rId50"/>
-      <p:bold r:id="rId51"/>
-      <p:italic r:id="rId52"/>
-      <p:boldItalic r:id="rId53"/>
+      <p:font typeface="Calibri" panose="020F0502020204030204" pitchFamily="34" charset="0"/>
+      <p:regular r:id="rId55"/>
+      <p:bold r:id="rId56"/>
+      <p:italic r:id="rId57"/>
+      <p:boldItalic r:id="rId58"/>
     </p:embeddedFont>
     <p:embeddedFont>
       <p:font typeface="Cambria" panose="02040503050406030204" pitchFamily="18" charset="0"/>
-      <p:regular r:id="rId54"/>
-      <p:bold r:id="rId55"/>
-      <p:italic r:id="rId56"/>
-      <p:boldItalic r:id="rId57"/>
-    </p:embeddedFont>
-    <p:embeddedFont>
-      <p:font typeface="Vidaloka" panose="020B0604020202020204" charset="0"/>
-      <p:regular r:id="rId58"/>
-    </p:embeddedFont>
-    <p:embeddedFont>
-      <p:font typeface="Merriweather Light" panose="020B0604020202020204" charset="0"/>
       <p:regular r:id="rId59"/>
       <p:bold r:id="rId60"/>
       <p:italic r:id="rId61"/>
       <p:boldItalic r:id="rId62"/>
+    </p:embeddedFont>
+    <p:embeddedFont>
+      <p:font typeface="Vidaloka" panose="020B0604020202020204" charset="0"/>
+      <p:regular r:id="rId63"/>
     </p:embeddedFont>
   </p:embeddedFontLst>
   <p:defaultTextStyle>
@@ -5941,7 +5942,7 @@
                 <a:hlinkClick r:id="rId2">
                   <a:extLst>
                     <a:ext uri="{A12FA001-AC4F-418D-AE19-62706E023703}">
-                      <ahyp:hlinkClr xmlns="" xmlns:mc="http://schemas.openxmlformats.org/markup-compatibility/2006" xmlns:mv="urn:schemas-microsoft-com:mac:vml" xmlns:c="http://schemas.openxmlformats.org/drawingml/2006/chart" xmlns:dgm="http://schemas.openxmlformats.org/drawingml/2006/diagram" xmlns:o="urn:schemas-microsoft-com:office:office" xmlns:v="urn:schemas-microsoft-com:vml" xmlns:pvml="urn:schemas-microsoft-com:office:powerpoint" xmlns:com="http://schemas.openxmlformats.org/drawingml/2006/compatibility" xmlns:p14="http://schemas.microsoft.com/office/powerpoint/2010/main" xmlns:p15="http://schemas.microsoft.com/office/powerpoint/2012/main" xmlns:ahyp="http://schemas.microsoft.com/office/drawing/2018/hyperlinkcolor" val="tx"/>
+                      <ahyp:hlinkClr xmlns:ahyp="http://schemas.microsoft.com/office/drawing/2018/hyperlinkcolor" xmlns:p15="http://schemas.microsoft.com/office/powerpoint/2012/main" xmlns:p14="http://schemas.microsoft.com/office/powerpoint/2010/main" xmlns:com="http://schemas.openxmlformats.org/drawingml/2006/compatibility" xmlns:pvml="urn:schemas-microsoft-com:office:powerpoint" xmlns:v="urn:schemas-microsoft-com:vml" xmlns:o="urn:schemas-microsoft-com:office:office" xmlns:dgm="http://schemas.openxmlformats.org/drawingml/2006/diagram" xmlns:c="http://schemas.openxmlformats.org/drawingml/2006/chart" xmlns:mv="urn:schemas-microsoft-com:mac:vml" xmlns:mc="http://schemas.openxmlformats.org/markup-compatibility/2006" xmlns="" val="tx"/>
                     </a:ext>
                   </a:extLst>
                 </a:hlinkClick>
@@ -5975,7 +5976,7 @@
                 <a:hlinkClick r:id="rId3">
                   <a:extLst>
                     <a:ext uri="{A12FA001-AC4F-418D-AE19-62706E023703}">
-                      <ahyp:hlinkClr xmlns="" xmlns:mc="http://schemas.openxmlformats.org/markup-compatibility/2006" xmlns:mv="urn:schemas-microsoft-com:mac:vml" xmlns:c="http://schemas.openxmlformats.org/drawingml/2006/chart" xmlns:dgm="http://schemas.openxmlformats.org/drawingml/2006/diagram" xmlns:o="urn:schemas-microsoft-com:office:office" xmlns:v="urn:schemas-microsoft-com:vml" xmlns:pvml="urn:schemas-microsoft-com:office:powerpoint" xmlns:com="http://schemas.openxmlformats.org/drawingml/2006/compatibility" xmlns:p14="http://schemas.microsoft.com/office/powerpoint/2010/main" xmlns:p15="http://schemas.microsoft.com/office/powerpoint/2012/main" xmlns:ahyp="http://schemas.microsoft.com/office/drawing/2018/hyperlinkcolor" val="tx"/>
+                      <ahyp:hlinkClr xmlns:ahyp="http://schemas.microsoft.com/office/drawing/2018/hyperlinkcolor" xmlns:p15="http://schemas.microsoft.com/office/powerpoint/2012/main" xmlns:p14="http://schemas.microsoft.com/office/powerpoint/2010/main" xmlns:com="http://schemas.openxmlformats.org/drawingml/2006/compatibility" xmlns:pvml="urn:schemas-microsoft-com:office:powerpoint" xmlns:v="urn:schemas-microsoft-com:vml" xmlns:o="urn:schemas-microsoft-com:office:office" xmlns:dgm="http://schemas.openxmlformats.org/drawingml/2006/diagram" xmlns:c="http://schemas.openxmlformats.org/drawingml/2006/chart" xmlns:mv="urn:schemas-microsoft-com:mac:vml" xmlns:mc="http://schemas.openxmlformats.org/markup-compatibility/2006" xmlns="" val="tx"/>
                     </a:ext>
                   </a:extLst>
                 </a:hlinkClick>
@@ -6009,7 +6010,7 @@
                 <a:hlinkClick r:id="rId4">
                   <a:extLst>
                     <a:ext uri="{A12FA001-AC4F-418D-AE19-62706E023703}">
-                      <ahyp:hlinkClr xmlns="" xmlns:mc="http://schemas.openxmlformats.org/markup-compatibility/2006" xmlns:mv="urn:schemas-microsoft-com:mac:vml" xmlns:c="http://schemas.openxmlformats.org/drawingml/2006/chart" xmlns:dgm="http://schemas.openxmlformats.org/drawingml/2006/diagram" xmlns:o="urn:schemas-microsoft-com:office:office" xmlns:v="urn:schemas-microsoft-com:vml" xmlns:pvml="urn:schemas-microsoft-com:office:powerpoint" xmlns:com="http://schemas.openxmlformats.org/drawingml/2006/compatibility" xmlns:p14="http://schemas.microsoft.com/office/powerpoint/2010/main" xmlns:p15="http://schemas.microsoft.com/office/powerpoint/2012/main" xmlns:ahyp="http://schemas.microsoft.com/office/drawing/2018/hyperlinkcolor" val="tx"/>
+                      <ahyp:hlinkClr xmlns:ahyp="http://schemas.microsoft.com/office/drawing/2018/hyperlinkcolor" xmlns:p15="http://schemas.microsoft.com/office/powerpoint/2012/main" xmlns:p14="http://schemas.microsoft.com/office/powerpoint/2010/main" xmlns:com="http://schemas.openxmlformats.org/drawingml/2006/compatibility" xmlns:pvml="urn:schemas-microsoft-com:office:powerpoint" xmlns:v="urn:schemas-microsoft-com:vml" xmlns:o="urn:schemas-microsoft-com:office:office" xmlns:dgm="http://schemas.openxmlformats.org/drawingml/2006/diagram" xmlns:c="http://schemas.openxmlformats.org/drawingml/2006/chart" xmlns:mv="urn:schemas-microsoft-com:mac:vml" xmlns:mc="http://schemas.openxmlformats.org/markup-compatibility/2006" xmlns="" val="tx"/>
                     </a:ext>
                   </a:extLst>
                 </a:hlinkClick>
@@ -10009,6 +10010,142 @@
   <p:cSld>
     <p:spTree>
       <p:nvGrpSpPr>
+        <p:cNvPr id="1" name=""/>
+        <p:cNvGrpSpPr/>
+        <p:nvPr/>
+      </p:nvGrpSpPr>
+      <p:grpSpPr>
+        <a:xfrm>
+          <a:off x="0" y="0"/>
+          <a:ext cx="0" cy="0"/>
+          <a:chOff x="0" y="0"/>
+          <a:chExt cx="0" cy="0"/>
+        </a:xfrm>
+      </p:grpSpPr>
+      <p:sp>
+        <p:nvSpPr>
+          <p:cNvPr id="5" name="Google Shape;851;p72">
+            <a:extLst>
+              <a:ext uri="{FF2B5EF4-FFF2-40B4-BE49-F238E27FC236}">
+                <a16:creationId xmlns:a16="http://schemas.microsoft.com/office/drawing/2014/main" id="{ECA542F7-A837-44EF-98D5-65912355AEC7}"/>
+              </a:ext>
+            </a:extLst>
+          </p:cNvPr>
+          <p:cNvSpPr txBox="1">
+            <a:spLocks noGrp="1"/>
+          </p:cNvSpPr>
+          <p:nvPr>
+            <p:ph type="title"/>
+          </p:nvPr>
+        </p:nvSpPr>
+        <p:spPr>
+          <a:xfrm>
+            <a:off x="713225" y="445025"/>
+            <a:ext cx="7040590" cy="572700"/>
+          </a:xfrm>
+          <a:prstGeom prst="rect">
+            <a:avLst/>
+          </a:prstGeom>
+        </p:spPr>
+        <p:txBody>
+          <a:bodyPr spcFirstLastPara="1" wrap="square" lIns="91425" tIns="91425" rIns="91425" bIns="91425" anchor="t" anchorCtr="0">
+            <a:noAutofit/>
+          </a:bodyPr>
+          <a:lstStyle/>
+          <a:p>
+            <a:pPr marL="0" lvl="0" indent="0" algn="l" rtl="0">
+              <a:spcBef>
+                <a:spcPts val="0"/>
+              </a:spcBef>
+              <a:spcAft>
+                <a:spcPts val="0"/>
+              </a:spcAft>
+              <a:buNone/>
+            </a:pPr>
+            <a:r>
+              <a:rPr lang="en-US" b="1">
+                <a:latin typeface="Calibri" panose="020F0502020204030204" pitchFamily="34" charset="0"/>
+                <a:cs typeface="Calibri" panose="020F0502020204030204" pitchFamily="34" charset="0"/>
+              </a:rPr>
+              <a:t>Đ</a:t>
+            </a:r>
+            <a:r>
+              <a:rPr lang="vi-VN" b="1">
+                <a:latin typeface="Calibri" panose="020F0502020204030204" pitchFamily="34" charset="0"/>
+                <a:cs typeface="Calibri" panose="020F0502020204030204" pitchFamily="34" charset="0"/>
+              </a:rPr>
+              <a:t>ư</a:t>
+            </a:r>
+            <a:r>
+              <a:rPr lang="en-US" b="1">
+                <a:latin typeface="Calibri" panose="020F0502020204030204" pitchFamily="34" charset="0"/>
+                <a:cs typeface="Calibri" panose="020F0502020204030204" pitchFamily="34" charset="0"/>
+              </a:rPr>
+              <a:t>ờng dẫn Github đến Source Code đồ án</a:t>
+            </a:r>
+            <a:endParaRPr b="1">
+              <a:latin typeface="Calibri" panose="020F0502020204030204" pitchFamily="34" charset="0"/>
+              <a:cs typeface="Calibri" panose="020F0502020204030204" pitchFamily="34" charset="0"/>
+            </a:endParaRPr>
+          </a:p>
+        </p:txBody>
+      </p:sp>
+      <p:sp>
+        <p:nvSpPr>
+          <p:cNvPr id="6" name="TextBox 5">
+            <a:extLst>
+              <a:ext uri="{FF2B5EF4-FFF2-40B4-BE49-F238E27FC236}">
+                <a16:creationId xmlns:a16="http://schemas.microsoft.com/office/drawing/2014/main" id="{15EDBE34-EDCD-4567-A728-A3525FC5A70D}"/>
+              </a:ext>
+            </a:extLst>
+          </p:cNvPr>
+          <p:cNvSpPr txBox="1"/>
+          <p:nvPr/>
+        </p:nvSpPr>
+        <p:spPr>
+          <a:xfrm>
+            <a:off x="624242" y="1375317"/>
+            <a:ext cx="7218556" cy="307777"/>
+          </a:xfrm>
+          <a:prstGeom prst="rect">
+            <a:avLst/>
+          </a:prstGeom>
+          <a:noFill/>
+        </p:spPr>
+        <p:txBody>
+          <a:bodyPr wrap="square" rtlCol="0">
+            <a:spAutoFit/>
+          </a:bodyPr>
+          <a:lstStyle/>
+          <a:p>
+            <a:r>
+              <a:rPr lang="en-US">
+                <a:hlinkClick r:id="rId2"/>
+              </a:rPr>
+              <a:t>ngovinhhung2001/project.qtdlieu (github.com)</a:t>
+            </a:r>
+            <a:endParaRPr lang="en-US"/>
+          </a:p>
+        </p:txBody>
+      </p:sp>
+    </p:spTree>
+    <p:extLst>
+      <p:ext uri="{BB962C8B-B14F-4D97-AF65-F5344CB8AC3E}">
+        <p14:creationId xmlns:p14="http://schemas.microsoft.com/office/powerpoint/2010/main" val="946593488"/>
+      </p:ext>
+    </p:extLst>
+  </p:cSld>
+  <p:clrMapOvr>
+    <a:masterClrMapping/>
+  </p:clrMapOvr>
+</p:sld>
+</file>
+
+<file path=ppt/slides/slide32.xml><?xml version="1.0" encoding="utf-8"?>
+<p:sld xmlns:a="http://schemas.openxmlformats.org/drawingml/2006/main" xmlns:r="http://schemas.openxmlformats.org/officeDocument/2006/relationships" xmlns:p="http://schemas.openxmlformats.org/presentationml/2006/main">
+  <p:cSld>
+    <p:spTree>
+      <p:nvGrpSpPr>
         <p:cNvPr id="1" name="Shape 822"/>
         <p:cNvGrpSpPr/>
         <p:nvPr/>

--- a/Báo cáo QTDLiệu.pptx
+++ b/Báo cáo QTDLiệu.pptx
@@ -45,57 +45,57 @@
   <p:notesSz cx="6858000" cy="9144000"/>
   <p:embeddedFontLst>
     <p:embeddedFont>
+      <p:font typeface="Vidaloka" panose="020B0604020202020204" charset="0"/>
+      <p:regular r:id="rId35"/>
+    </p:embeddedFont>
+    <p:embeddedFont>
       <p:font typeface="Lato" panose="020B0604020202020204" charset="0"/>
-      <p:regular r:id="rId35"/>
-      <p:bold r:id="rId36"/>
-      <p:italic r:id="rId37"/>
-      <p:boldItalic r:id="rId38"/>
+      <p:regular r:id="rId36"/>
+      <p:bold r:id="rId37"/>
+      <p:italic r:id="rId38"/>
+      <p:boldItalic r:id="rId39"/>
+    </p:embeddedFont>
+    <p:embeddedFont>
+      <p:font typeface="Open Sans" panose="020B0604020202020204" charset="0"/>
+      <p:regular r:id="rId40"/>
+      <p:bold r:id="rId41"/>
+      <p:italic r:id="rId42"/>
+      <p:boldItalic r:id="rId43"/>
+    </p:embeddedFont>
+    <p:embeddedFont>
+      <p:font typeface="Montserrat" panose="020B0604020202020204" charset="0"/>
+      <p:regular r:id="rId44"/>
+      <p:bold r:id="rId45"/>
+      <p:italic r:id="rId46"/>
+      <p:boldItalic r:id="rId47"/>
+    </p:embeddedFont>
+    <p:embeddedFont>
+      <p:font typeface="Calibri" panose="020F0502020204030204" pitchFamily="34" charset="0"/>
+      <p:regular r:id="rId48"/>
+      <p:bold r:id="rId49"/>
+      <p:italic r:id="rId50"/>
+      <p:boldItalic r:id="rId51"/>
+    </p:embeddedFont>
+    <p:embeddedFont>
+      <p:font typeface="Cambria" panose="02040503050406030204" pitchFamily="18" charset="0"/>
+      <p:regular r:id="rId52"/>
+      <p:bold r:id="rId53"/>
+      <p:italic r:id="rId54"/>
+      <p:boldItalic r:id="rId55"/>
     </p:embeddedFont>
     <p:embeddedFont>
       <p:font typeface="Merriweather Light" panose="020B0604020202020204" charset="0"/>
-      <p:regular r:id="rId39"/>
-      <p:bold r:id="rId40"/>
-      <p:italic r:id="rId41"/>
-      <p:boldItalic r:id="rId42"/>
-    </p:embeddedFont>
-    <p:embeddedFont>
-      <p:font typeface="Montserrat" panose="020B0604020202020204" charset="0"/>
-      <p:regular r:id="rId43"/>
-      <p:bold r:id="rId44"/>
-      <p:italic r:id="rId45"/>
-      <p:boldItalic r:id="rId46"/>
-    </p:embeddedFont>
-    <p:embeddedFont>
-      <p:font typeface="Open Sans" panose="020B0604020202020204" charset="0"/>
-      <p:regular r:id="rId47"/>
-      <p:bold r:id="rId48"/>
-      <p:italic r:id="rId49"/>
-      <p:boldItalic r:id="rId50"/>
+      <p:regular r:id="rId56"/>
+      <p:bold r:id="rId57"/>
+      <p:italic r:id="rId58"/>
+      <p:boldItalic r:id="rId59"/>
     </p:embeddedFont>
     <p:embeddedFont>
       <p:font typeface="Crimson Text" panose="020B0604020202020204" charset="0"/>
-      <p:regular r:id="rId51"/>
-      <p:bold r:id="rId52"/>
-      <p:italic r:id="rId53"/>
-      <p:boldItalic r:id="rId54"/>
-    </p:embeddedFont>
-    <p:embeddedFont>
-      <p:font typeface="Calibri" panose="020F0502020204030204" pitchFamily="34" charset="0"/>
-      <p:regular r:id="rId55"/>
-      <p:bold r:id="rId56"/>
-      <p:italic r:id="rId57"/>
-      <p:boldItalic r:id="rId58"/>
-    </p:embeddedFont>
-    <p:embeddedFont>
-      <p:font typeface="Cambria" panose="02040503050406030204" pitchFamily="18" charset="0"/>
-      <p:regular r:id="rId59"/>
-      <p:bold r:id="rId60"/>
-      <p:italic r:id="rId61"/>
-      <p:boldItalic r:id="rId62"/>
-    </p:embeddedFont>
-    <p:embeddedFont>
-      <p:font typeface="Vidaloka" panose="020B0604020202020204" charset="0"/>
-      <p:regular r:id="rId63"/>
+      <p:regular r:id="rId60"/>
+      <p:bold r:id="rId61"/>
+      <p:italic r:id="rId62"/>
+      <p:boldItalic r:id="rId63"/>
     </p:embeddedFont>
   </p:embeddedFontLst>
   <p:defaultTextStyle>
@@ -5942,7 +5942,7 @@
                 <a:hlinkClick r:id="rId2">
                   <a:extLst>
                     <a:ext uri="{A12FA001-AC4F-418D-AE19-62706E023703}">
-                      <ahyp:hlinkClr xmlns:ahyp="http://schemas.microsoft.com/office/drawing/2018/hyperlinkcolor" xmlns:p15="http://schemas.microsoft.com/office/powerpoint/2012/main" xmlns:p14="http://schemas.microsoft.com/office/powerpoint/2010/main" xmlns:com="http://schemas.openxmlformats.org/drawingml/2006/compatibility" xmlns:pvml="urn:schemas-microsoft-com:office:powerpoint" xmlns:v="urn:schemas-microsoft-com:vml" xmlns:o="urn:schemas-microsoft-com:office:office" xmlns:dgm="http://schemas.openxmlformats.org/drawingml/2006/diagram" xmlns:c="http://schemas.openxmlformats.org/drawingml/2006/chart" xmlns:mv="urn:schemas-microsoft-com:mac:vml" xmlns:mc="http://schemas.openxmlformats.org/markup-compatibility/2006" xmlns="" val="tx"/>
+                      <ahyp:hlinkClr xmlns="" xmlns:mc="http://schemas.openxmlformats.org/markup-compatibility/2006" xmlns:mv="urn:schemas-microsoft-com:mac:vml" xmlns:c="http://schemas.openxmlformats.org/drawingml/2006/chart" xmlns:dgm="http://schemas.openxmlformats.org/drawingml/2006/diagram" xmlns:o="urn:schemas-microsoft-com:office:office" xmlns:v="urn:schemas-microsoft-com:vml" xmlns:pvml="urn:schemas-microsoft-com:office:powerpoint" xmlns:com="http://schemas.openxmlformats.org/drawingml/2006/compatibility" xmlns:p14="http://schemas.microsoft.com/office/powerpoint/2010/main" xmlns:p15="http://schemas.microsoft.com/office/powerpoint/2012/main" xmlns:ahyp="http://schemas.microsoft.com/office/drawing/2018/hyperlinkcolor" val="tx"/>
                     </a:ext>
                   </a:extLst>
                 </a:hlinkClick>
@@ -5976,7 +5976,7 @@
                 <a:hlinkClick r:id="rId3">
                   <a:extLst>
                     <a:ext uri="{A12FA001-AC4F-418D-AE19-62706E023703}">
-                      <ahyp:hlinkClr xmlns:ahyp="http://schemas.microsoft.com/office/drawing/2018/hyperlinkcolor" xmlns:p15="http://schemas.microsoft.com/office/powerpoint/2012/main" xmlns:p14="http://schemas.microsoft.com/office/powerpoint/2010/main" xmlns:com="http://schemas.openxmlformats.org/drawingml/2006/compatibility" xmlns:pvml="urn:schemas-microsoft-com:office:powerpoint" xmlns:v="urn:schemas-microsoft-com:vml" xmlns:o="urn:schemas-microsoft-com:office:office" xmlns:dgm="http://schemas.openxmlformats.org/drawingml/2006/diagram" xmlns:c="http://schemas.openxmlformats.org/drawingml/2006/chart" xmlns:mv="urn:schemas-microsoft-com:mac:vml" xmlns:mc="http://schemas.openxmlformats.org/markup-compatibility/2006" xmlns="" val="tx"/>
+                      <ahyp:hlinkClr xmlns="" xmlns:mc="http://schemas.openxmlformats.org/markup-compatibility/2006" xmlns:mv="urn:schemas-microsoft-com:mac:vml" xmlns:c="http://schemas.openxmlformats.org/drawingml/2006/chart" xmlns:dgm="http://schemas.openxmlformats.org/drawingml/2006/diagram" xmlns:o="urn:schemas-microsoft-com:office:office" xmlns:v="urn:schemas-microsoft-com:vml" xmlns:pvml="urn:schemas-microsoft-com:office:powerpoint" xmlns:com="http://schemas.openxmlformats.org/drawingml/2006/compatibility" xmlns:p14="http://schemas.microsoft.com/office/powerpoint/2010/main" xmlns:p15="http://schemas.microsoft.com/office/powerpoint/2012/main" xmlns:ahyp="http://schemas.microsoft.com/office/drawing/2018/hyperlinkcolor" val="tx"/>
                     </a:ext>
                   </a:extLst>
                 </a:hlinkClick>
@@ -6010,7 +6010,7 @@
                 <a:hlinkClick r:id="rId4">
                   <a:extLst>
                     <a:ext uri="{A12FA001-AC4F-418D-AE19-62706E023703}">
-                      <ahyp:hlinkClr xmlns:ahyp="http://schemas.microsoft.com/office/drawing/2018/hyperlinkcolor" xmlns:p15="http://schemas.microsoft.com/office/powerpoint/2012/main" xmlns:p14="http://schemas.microsoft.com/office/powerpoint/2010/main" xmlns:com="http://schemas.openxmlformats.org/drawingml/2006/compatibility" xmlns:pvml="urn:schemas-microsoft-com:office:powerpoint" xmlns:v="urn:schemas-microsoft-com:vml" xmlns:o="urn:schemas-microsoft-com:office:office" xmlns:dgm="http://schemas.openxmlformats.org/drawingml/2006/diagram" xmlns:c="http://schemas.openxmlformats.org/drawingml/2006/chart" xmlns:mv="urn:schemas-microsoft-com:mac:vml" xmlns:mc="http://schemas.openxmlformats.org/markup-compatibility/2006" xmlns="" val="tx"/>
+                      <ahyp:hlinkClr xmlns="" xmlns:mc="http://schemas.openxmlformats.org/markup-compatibility/2006" xmlns:mv="urn:schemas-microsoft-com:mac:vml" xmlns:c="http://schemas.openxmlformats.org/drawingml/2006/chart" xmlns:dgm="http://schemas.openxmlformats.org/drawingml/2006/diagram" xmlns:o="urn:schemas-microsoft-com:office:office" xmlns:v="urn:schemas-microsoft-com:vml" xmlns:pvml="urn:schemas-microsoft-com:office:powerpoint" xmlns:com="http://schemas.openxmlformats.org/drawingml/2006/compatibility" xmlns:p14="http://schemas.microsoft.com/office/powerpoint/2010/main" xmlns:p15="http://schemas.microsoft.com/office/powerpoint/2012/main" xmlns:ahyp="http://schemas.microsoft.com/office/drawing/2018/hyperlinkcolor" val="tx"/>
                     </a:ext>
                   </a:extLst>
                 </a:hlinkClick>
@@ -7522,7 +7522,7 @@
               <a:rPr lang="en-US">
                 <a:latin typeface="Montserrat" panose="020B0604020202020204" charset="0"/>
               </a:rPr>
-              <a:t>B1900000 Lê Hoàng Dũng</a:t>
+              <a:t>B1910201 Lê Hoàng Dũng</a:t>
             </a:r>
           </a:p>
         </p:txBody>
